--- a/WritingCodeForOtherPeople/WritingCodeForOtherPeople.CCJS.pptx
+++ b/WritingCodeForOtherPeople/WritingCodeForOtherPeople.CCJS.pptx
@@ -5,7 +5,7 @@
     <p:sldMasterId id="2147483660" r:id="rId1"/>
   </p:sldMasterIdLst>
   <p:notesMasterIdLst>
-    <p:notesMasterId r:id="rId87"/>
+    <p:notesMasterId r:id="rId85"/>
   </p:notesMasterIdLst>
   <p:sldIdLst>
     <p:sldId id="256" r:id="rId2"/>
@@ -76,23 +76,21 @@
     <p:sldId id="448" r:id="rId67"/>
     <p:sldId id="424" r:id="rId68"/>
     <p:sldId id="380" r:id="rId69"/>
-    <p:sldId id="387" r:id="rId70"/>
-    <p:sldId id="391" r:id="rId71"/>
-    <p:sldId id="392" r:id="rId72"/>
-    <p:sldId id="390" r:id="rId73"/>
-    <p:sldId id="425" r:id="rId74"/>
-    <p:sldId id="400" r:id="rId75"/>
-    <p:sldId id="402" r:id="rId76"/>
-    <p:sldId id="406" r:id="rId77"/>
-    <p:sldId id="407" r:id="rId78"/>
-    <p:sldId id="408" r:id="rId79"/>
-    <p:sldId id="294" r:id="rId80"/>
-    <p:sldId id="454" r:id="rId81"/>
-    <p:sldId id="453" r:id="rId82"/>
-    <p:sldId id="455" r:id="rId83"/>
-    <p:sldId id="449" r:id="rId84"/>
-    <p:sldId id="411" r:id="rId85"/>
-    <p:sldId id="295" r:id="rId86"/>
+    <p:sldId id="392" r:id="rId70"/>
+    <p:sldId id="390" r:id="rId71"/>
+    <p:sldId id="425" r:id="rId72"/>
+    <p:sldId id="400" r:id="rId73"/>
+    <p:sldId id="402" r:id="rId74"/>
+    <p:sldId id="406" r:id="rId75"/>
+    <p:sldId id="407" r:id="rId76"/>
+    <p:sldId id="408" r:id="rId77"/>
+    <p:sldId id="294" r:id="rId78"/>
+    <p:sldId id="454" r:id="rId79"/>
+    <p:sldId id="453" r:id="rId80"/>
+    <p:sldId id="455" r:id="rId81"/>
+    <p:sldId id="449" r:id="rId82"/>
+    <p:sldId id="411" r:id="rId83"/>
+    <p:sldId id="295" r:id="rId84"/>
   </p:sldIdLst>
   <p:sldSz cx="9144000" cy="5143500" type="screen16x9"/>
   <p:notesSz cx="6858000" cy="9144000"/>
@@ -293,7 +291,7 @@
             <a:fld id="{E1597209-E9AB-4E34-8ADD-CFF450212FE0}" type="datetimeFigureOut">
               <a:rPr lang="en-US" smtClean="0"/>
               <a:pPr/>
-              <a:t>11/29/2020</a:t>
+              <a:t>12/2/2020</a:t>
             </a:fld>
             <a:endParaRPr lang="en-US"/>
           </a:p>
@@ -838,13 +836,13 @@
           <a:p>
             <a:r>
               <a:rPr lang="en-US" dirty="0"/>
-              <a:t>There are four things</a:t>
+              <a:t>There are four things,</a:t>
             </a:r>
           </a:p>
           <a:p>
             <a:r>
               <a:rPr lang="en-US" dirty="0"/>
-              <a:t>key areas</a:t>
+              <a:t>four key areas,</a:t>
             </a:r>
           </a:p>
           <a:p>
@@ -1934,6 +1932,15 @@
           <a:p>
             <a:r>
               <a:rPr lang="en-US" dirty="0"/>
+              <a:t>Before we start…</a:t>
+            </a:r>
+          </a:p>
+          <a:p>
+            <a:endParaRPr lang="en-US" dirty="0"/>
+          </a:p>
+          <a:p>
+            <a:r>
+              <a:rPr lang="en-US" dirty="0"/>
               <a:t>This talk is</a:t>
             </a:r>
           </a:p>
@@ -2192,15 +2199,12 @@
             </a:r>
           </a:p>
           <a:p>
+            <a:endParaRPr lang="en-US" b="0" dirty="0"/>
+          </a:p>
+          <a:p>
             <a:r>
               <a:rPr lang="en-US" b="0" dirty="0"/>
               <a:t>but they bear repeating</a:t>
-            </a:r>
-          </a:p>
-          <a:p>
-            <a:r>
-              <a:rPr lang="en-US" b="0" dirty="0"/>
-              <a:t>and repeating often</a:t>
             </a:r>
           </a:p>
           <a:p>
@@ -2618,8 +2622,59 @@
           <a:p>
             <a:r>
               <a:rPr lang="en-US" dirty="0"/>
-              <a:t>indentation convey hierarchy</a:t>
-            </a:r>
+              <a:t>So just by adding a few tabs.</a:t>
+            </a:r>
+          </a:p>
+          <a:p>
+            <a:endParaRPr lang="en-US" dirty="0"/>
+          </a:p>
+          <a:p>
+            <a:r>
+              <a:rPr lang="en-US" dirty="0"/>
+              <a:t>Yes, I said tabs…</a:t>
+            </a:r>
+          </a:p>
+          <a:p>
+            <a:endParaRPr lang="en-US" dirty="0"/>
+          </a:p>
+          <a:p>
+            <a:r>
+              <a:rPr lang="en-US" dirty="0"/>
+              <a:t>Anyway, just adding a few tabs</a:t>
+            </a:r>
+          </a:p>
+          <a:p>
+            <a:r>
+              <a:rPr lang="en-US" dirty="0"/>
+              <a:t>makes the code vastly more readable.</a:t>
+            </a:r>
+          </a:p>
+          <a:p>
+            <a:r>
+              <a:rPr lang="en-US" dirty="0"/>
+              <a:t>It does this because</a:t>
+            </a:r>
+          </a:p>
+          <a:p>
+            <a:r>
+              <a:rPr lang="en-US" dirty="0"/>
+              <a:t>indentation conveys hierarchy,</a:t>
+            </a:r>
+          </a:p>
+          <a:p>
+            <a:r>
+              <a:rPr lang="en-US" dirty="0"/>
+              <a:t>it conveys an order,</a:t>
+            </a:r>
+          </a:p>
+          <a:p>
+            <a:r>
+              <a:rPr lang="en-US" dirty="0"/>
+              <a:t>it conveys a meaning.</a:t>
+            </a:r>
+          </a:p>
+          <a:p>
+            <a:endParaRPr lang="en-US" dirty="0"/>
           </a:p>
         </p:txBody>
       </p:sp>
@@ -2930,6 +2985,15 @@
               <a:t>hard to read.</a:t>
             </a:r>
           </a:p>
+          <a:p>
+            <a:endParaRPr lang="en-US" b="0" dirty="0"/>
+          </a:p>
+          <a:p>
+            <a:r>
+              <a:rPr lang="en-US" b="0" dirty="0"/>
+              <a:t>But we can make it better!</a:t>
+            </a:r>
+          </a:p>
         </p:txBody>
       </p:sp>
       <p:sp>
@@ -3017,7 +3081,7 @@
           <a:p>
             <a:r>
               <a:rPr lang="en-US" b="0" dirty="0"/>
-              <a:t>meaningful whitespace.</a:t>
+              <a:t>with meaningful whitespace.</a:t>
             </a:r>
           </a:p>
           <a:p>
@@ -3026,7 +3090,13 @@
           <a:p>
             <a:r>
               <a:rPr lang="en-US" b="0" dirty="0"/>
-              <a:t>use whitespace</a:t>
+              <a:t>use whitespace,</a:t>
+            </a:r>
+          </a:p>
+          <a:p>
+            <a:r>
+              <a:rPr lang="en-US" b="0" dirty="0"/>
+              <a:t>line breaks,</a:t>
             </a:r>
           </a:p>
           <a:p>
@@ -3243,20 +3313,6 @@
             </a:r>
           </a:p>
           <a:p>
-            <a:r>
-              <a:rPr lang="en-US" b="0" baseline="0" dirty="0"/>
-              <a:t>from </a:t>
-            </a:r>
-            <a:r>
-              <a:rPr lang="en-US" b="0" baseline="0" dirty="0" err="1"/>
-              <a:t>EmberJS</a:t>
-            </a:r>
-            <a:r>
-              <a:rPr lang="en-US" b="0" baseline="0" dirty="0"/>
-              <a:t>…</a:t>
-            </a:r>
-          </a:p>
-          <a:p>
             <a:endParaRPr lang="en-US" b="0" baseline="0" dirty="0"/>
           </a:p>
           <a:p>
@@ -3355,19 +3411,13 @@
           <a:p>
             <a:r>
               <a:rPr lang="en-US" b="0" baseline="0" dirty="0"/>
-              <a:t>Goes a long way.</a:t>
+              <a:t>Goes a long way</a:t>
             </a:r>
           </a:p>
           <a:p>
             <a:r>
               <a:rPr lang="en-US" b="0" baseline="0" dirty="0"/>
-              <a:t>Use meaningful whitespace</a:t>
-            </a:r>
-          </a:p>
-          <a:p>
-            <a:r>
-              <a:rPr lang="en-US" b="0" baseline="0" dirty="0"/>
-              <a:t>to create sections</a:t>
+              <a:t>by creating sections</a:t>
             </a:r>
           </a:p>
           <a:p>
@@ -3556,6 +3606,15 @@
           <a:p>
             <a:r>
               <a:rPr lang="en-US" b="0" dirty="0"/>
+              <a:t>quickly….</a:t>
+            </a:r>
+          </a:p>
+          <a:p>
+            <a:endParaRPr lang="en-US" b="0" dirty="0"/>
+          </a:p>
+          <a:p>
+            <a:r>
+              <a:rPr lang="en-US" b="0" dirty="0"/>
               <a:t>who knows what this code does?</a:t>
             </a:r>
           </a:p>
@@ -3564,8 +3623,29 @@
           </a:p>
           <a:p>
             <a:r>
+              <a:rPr lang="en-US" b="0" baseline="0" dirty="0"/>
+              <a:t>now who knows </a:t>
+            </a:r>
+          </a:p>
+          <a:p>
+            <a:r>
+              <a:rPr lang="en-US" b="0" baseline="0" dirty="0"/>
+              <a:t>what this code does,</a:t>
+            </a:r>
+          </a:p>
+          <a:p>
+            <a:r>
+              <a:rPr lang="en-US" b="0" baseline="0" dirty="0"/>
+              <a:t>because the code lacks context.</a:t>
+            </a:r>
+          </a:p>
+          <a:p>
+            <a:endParaRPr lang="en-US" b="0" dirty="0"/>
+          </a:p>
+          <a:p>
+            <a:r>
               <a:rPr lang="en-US" b="0" dirty="0"/>
-              <a:t>Quickly?</a:t>
+              <a:t>But with a little effort…</a:t>
             </a:r>
           </a:p>
         </p:txBody>
@@ -3653,36 +3733,43 @@
           </a:bodyPr>
           <a:lstStyle/>
           <a:p>
+            <a:r>
+              <a:rPr lang="en-US" b="0" baseline="0" dirty="0"/>
+              <a:t>our code gains some context.</a:t>
+            </a:r>
+          </a:p>
+          <a:p>
             <a:endParaRPr lang="en-US" b="0" baseline="0" dirty="0"/>
           </a:p>
           <a:p>
             <a:r>
               <a:rPr lang="en-US" b="0" baseline="0" dirty="0"/>
-              <a:t>now who knows </a:t>
+              <a:t>By using contextual naming,</a:t>
             </a:r>
           </a:p>
           <a:p>
             <a:r>
               <a:rPr lang="en-US" b="0" baseline="0" dirty="0"/>
-              <a:t>what this code does?</a:t>
-            </a:r>
-          </a:p>
-          <a:p>
-            <a:endParaRPr lang="en-US" b="0" baseline="0" dirty="0"/>
+              <a:t>giving your classes, functions, and variables</a:t>
+            </a:r>
           </a:p>
           <a:p>
             <a:r>
               <a:rPr lang="en-US" b="0" baseline="0" dirty="0"/>
-              <a:t>contextual naming.</a:t>
+              <a:t>meaningful names</a:t>
             </a:r>
           </a:p>
           <a:p>
             <a:r>
               <a:rPr lang="en-US" b="0" baseline="0" dirty="0"/>
-              <a:t>classes, functions, and variables.</a:t>
-            </a:r>
-          </a:p>
-          <a:p>
+              <a:t>provides applicable context</a:t>
+            </a:r>
+          </a:p>
+          <a:p>
+            <a:r>
+              <a:rPr lang="en-US" b="0" baseline="0" dirty="0"/>
+              <a:t>to what the function does.</a:t>
+            </a:r>
             <a:endParaRPr lang="en-US" b="0" dirty="0"/>
           </a:p>
         </p:txBody>
@@ -3780,42 +3867,21 @@
           </a:p>
           <a:p>
             <a:r>
-              <a:rPr lang="en-US" dirty="0"/>
-              <a:t>I prefer…</a:t>
-            </a:r>
-          </a:p>
-          <a:p>
-            <a:r>
-              <a:rPr lang="en-US" dirty="0"/>
-              <a:t>Pure Constants should be Snake Case w/ Uppercase</a:t>
-            </a:r>
-          </a:p>
-          <a:p>
-            <a:r>
               <a:rPr lang="en-US" b="0" baseline="0" dirty="0"/>
-              <a:t>Classes should be Pascal Case</a:t>
+              <a:t>Casing tells us</a:t>
             </a:r>
           </a:p>
           <a:p>
             <a:r>
               <a:rPr lang="en-US" b="0" baseline="0" dirty="0"/>
-              <a:t>Variables should be Camel Case</a:t>
+              <a:t>what type of thing</a:t>
             </a:r>
           </a:p>
           <a:p>
             <a:r>
               <a:rPr lang="en-US" b="0" baseline="0" dirty="0"/>
-              <a:t>Static Class Methods should be Pascal Case</a:t>
-            </a:r>
-          </a:p>
-          <a:p>
-            <a:r>
-              <a:rPr lang="en-US" b="0" baseline="0" dirty="0"/>
-              <a:t>Member Class Methods should be Camel Case</a:t>
-            </a:r>
-          </a:p>
-          <a:p>
-            <a:endParaRPr lang="en-US" b="0" baseline="0" dirty="0"/>
+              <a:t>we are looking at.</a:t>
+            </a:r>
           </a:p>
           <a:p>
             <a:endParaRPr lang="en-US" b="0" baseline="0" dirty="0"/>
@@ -4018,6 +4084,33 @@
               <a:t>But we can make it better still.</a:t>
             </a:r>
           </a:p>
+          <a:p>
+            <a:endParaRPr lang="en-US" b="0" dirty="0"/>
+          </a:p>
+          <a:p>
+            <a:r>
+              <a:rPr lang="en-US" b="0" dirty="0"/>
+              <a:t>We have nice logical sections,</a:t>
+            </a:r>
+          </a:p>
+          <a:p>
+            <a:r>
+              <a:rPr lang="en-US" b="0" dirty="0"/>
+              <a:t>what if we just add </a:t>
+            </a:r>
+          </a:p>
+          <a:p>
+            <a:r>
+              <a:rPr lang="en-US" b="0" dirty="0"/>
+              <a:t>a bit of detail about what</a:t>
+            </a:r>
+          </a:p>
+          <a:p>
+            <a:r>
+              <a:rPr lang="en-US" b="0" dirty="0"/>
+              <a:t>each of these sections does?</a:t>
+            </a:r>
+          </a:p>
         </p:txBody>
       </p:sp>
       <p:sp>
@@ -4105,15 +4198,6 @@
           <a:p>
             <a:r>
               <a:rPr lang="en-US" b="0" dirty="0"/>
-              <a:t>convey logic through comments.</a:t>
-            </a:r>
-          </a:p>
-          <a:p>
-            <a:endParaRPr lang="en-US" b="0" dirty="0"/>
-          </a:p>
-          <a:p>
-            <a:r>
-              <a:rPr lang="en-US" b="0" dirty="0"/>
               <a:t>This is not documentation</a:t>
             </a:r>
           </a:p>
@@ -4129,13 +4213,13 @@
           <a:p>
             <a:r>
               <a:rPr lang="en-US" b="0" dirty="0"/>
-              <a:t>Your not telling us how to use the code, </a:t>
+              <a:t>Documentation tells us</a:t>
             </a:r>
           </a:p>
           <a:p>
             <a:r>
               <a:rPr lang="en-US" b="0" dirty="0"/>
-              <a:t>that's documentation.</a:t>
+              <a:t>how to use the code, </a:t>
             </a:r>
           </a:p>
           <a:p>
@@ -4144,7 +4228,7 @@
           <a:p>
             <a:r>
               <a:rPr lang="en-US" b="0" dirty="0"/>
-              <a:t>Instead your telling us</a:t>
+              <a:t>Comments tell us</a:t>
             </a:r>
           </a:p>
           <a:p>
@@ -4254,7 +4338,19 @@
             </a:r>
             <a:r>
               <a:rPr lang="en-US" b="0" baseline="0" dirty="0"/>
-              <a:t> above the code block.</a:t>
+              <a:t>,</a:t>
+            </a:r>
+          </a:p>
+          <a:p>
+            <a:r>
+              <a:rPr lang="en-US" b="0" baseline="0" dirty="0"/>
+              <a:t>line comments,</a:t>
+            </a:r>
+          </a:p>
+          <a:p>
+            <a:r>
+              <a:rPr lang="en-US" b="0" baseline="0" dirty="0"/>
+              <a:t>above the code block.</a:t>
             </a:r>
           </a:p>
           <a:p>
@@ -4263,13 +4359,19 @@
           <a:p>
             <a:r>
               <a:rPr lang="en-US" b="0" baseline="0" dirty="0"/>
-              <a:t>Save SLASH STAR </a:t>
+              <a:t>Save SLASH STAR,</a:t>
             </a:r>
           </a:p>
           <a:p>
             <a:r>
               <a:rPr lang="en-US" b="0" baseline="0" dirty="0"/>
-              <a:t>for block comments for documentation.</a:t>
+              <a:t>block comments,</a:t>
+            </a:r>
+          </a:p>
+          <a:p>
+            <a:r>
+              <a:rPr lang="en-US" b="0" baseline="0" dirty="0"/>
+              <a:t>for documentation.</a:t>
             </a:r>
             <a:endParaRPr lang="en-US" b="0" dirty="0"/>
           </a:p>
@@ -4575,29 +4677,23 @@
           <a:p>
             <a:r>
               <a:rPr lang="en-US" b="0" dirty="0"/>
-              <a:t>Organize your code</a:t>
+              <a:t>Most languages have </a:t>
             </a:r>
           </a:p>
           <a:p>
             <a:r>
               <a:rPr lang="en-US" b="0" dirty="0"/>
-              <a:t>from top to bottom.</a:t>
+              <a:t>organizational standards,</a:t>
+            </a:r>
+          </a:p>
+          <a:p>
+            <a:r>
+              <a:rPr lang="en-US" b="0" dirty="0"/>
+              <a:t>how the code should be laid out.</a:t>
             </a:r>
           </a:p>
           <a:p>
             <a:endParaRPr lang="en-US" b="0" dirty="0"/>
-          </a:p>
-          <a:p>
-            <a:r>
-              <a:rPr lang="en-US" b="0" dirty="0"/>
-              <a:t>Most languages have </a:t>
-            </a:r>
-          </a:p>
-          <a:p>
-            <a:r>
-              <a:rPr lang="en-US" b="0" dirty="0"/>
-              <a:t>organizational standards</a:t>
-            </a:r>
           </a:p>
           <a:p>
             <a:r>
@@ -4606,18 +4702,33 @@
             </a:r>
           </a:p>
           <a:p>
+            <a:endParaRPr lang="en-US" b="0" dirty="0"/>
+          </a:p>
+          <a:p>
             <a:r>
               <a:rPr lang="en-US" b="0" dirty="0"/>
               <a:t>But there are some widely held beliefs…</a:t>
             </a:r>
           </a:p>
           <a:p>
+            <a:r>
+              <a:rPr lang="en-US" b="0" dirty="0"/>
+              <a:t>that it is best to follow.</a:t>
+            </a:r>
+          </a:p>
+          <a:p>
             <a:endParaRPr lang="en-US" b="0" dirty="0"/>
           </a:p>
           <a:p>
             <a:r>
               <a:rPr lang="en-US" b="0" dirty="0"/>
-              <a:t>This is file organization.</a:t>
+              <a:t>This is file level organization:</a:t>
+            </a:r>
+          </a:p>
+          <a:p>
+            <a:r>
+              <a:rPr lang="en-US" b="0" dirty="0"/>
+              <a:t>require, constants, variables, classes, functions.</a:t>
             </a:r>
           </a:p>
         </p:txBody>
@@ -4710,6 +4821,12 @@
               <a:t>class organization</a:t>
             </a:r>
           </a:p>
+          <a:p>
+            <a:r>
+              <a:rPr lang="en-US" b="0" dirty="0"/>
+              <a:t>static members, members, static methods, methods</a:t>
+            </a:r>
+          </a:p>
         </p:txBody>
       </p:sp>
       <p:sp>
@@ -4800,6 +4917,12 @@
               <a:t>function organization</a:t>
             </a:r>
           </a:p>
+          <a:p>
+            <a:r>
+              <a:rPr lang="en-US" b="0" baseline="0" dirty="0"/>
+              <a:t>validation, declaration, logic.</a:t>
+            </a:r>
+          </a:p>
         </p:txBody>
       </p:sp>
       <p:sp>
@@ -4887,6 +5010,35 @@
           <a:p>
             <a:r>
               <a:rPr lang="en-US" b="0" baseline="0" dirty="0"/>
+              <a:t>and one thing you should</a:t>
+            </a:r>
+          </a:p>
+          <a:p>
+            <a:r>
+              <a:rPr lang="en-US" b="0" baseline="0" dirty="0"/>
+              <a:t>never ever do </a:t>
+            </a:r>
+          </a:p>
+          <a:p>
+            <a:r>
+              <a:rPr lang="en-US" b="0" baseline="0" dirty="0"/>
+              <a:t>in </a:t>
+            </a:r>
+            <a:r>
+              <a:rPr lang="en-US" b="0" baseline="0" dirty="0" err="1"/>
+              <a:t>javascript</a:t>
+            </a:r>
+            <a:r>
+              <a:rPr lang="en-US" b="0" baseline="0" dirty="0"/>
+              <a:t>…</a:t>
+            </a:r>
+          </a:p>
+          <a:p>
+            <a:endParaRPr lang="en-US" b="0" baseline="0" dirty="0"/>
+          </a:p>
+          <a:p>
+            <a:r>
+              <a:rPr lang="en-US" b="0" baseline="0" dirty="0"/>
               <a:t>NEVER rely on hoisting</a:t>
             </a:r>
           </a:p>
@@ -5511,7 +5663,7 @@
           <a:p>
             <a:r>
               <a:rPr lang="en-US" dirty="0"/>
-              <a:t>in JavaScript when a perfectly good CSS rule will do. </a:t>
+              <a:t>in JavaScript when a perfectly good CSS file will do. </a:t>
             </a:r>
           </a:p>
           <a:p>
@@ -5539,6 +5691,18 @@
             <a:r>
               <a:rPr lang="en-US" dirty="0"/>
               <a:t>about this.</a:t>
+            </a:r>
+          </a:p>
+          <a:p>
+            <a:r>
+              <a:rPr lang="en-US" dirty="0"/>
+              <a:t>React is actively built</a:t>
+            </a:r>
+          </a:p>
+          <a:p>
+            <a:r>
+              <a:rPr lang="en-US" dirty="0"/>
+              <a:t>to disrupt this pattern.</a:t>
             </a:r>
           </a:p>
         </p:txBody>
@@ -5638,18 +5802,12 @@
             </a:r>
           </a:p>
           <a:p>
-            <a:endParaRPr lang="en-US" baseline="0" dirty="0"/>
-          </a:p>
-          <a:p>
             <a:r>
               <a:rPr lang="en-US" baseline="0" dirty="0"/>
               <a:t>and</a:t>
             </a:r>
           </a:p>
           <a:p>
-            <a:endParaRPr lang="en-US" baseline="0" dirty="0"/>
-          </a:p>
-          <a:p>
             <a:r>
               <a:rPr lang="en-US" baseline="0" dirty="0"/>
               <a:t>great code</a:t>
@@ -5659,6 +5817,30 @@
             <a:r>
               <a:rPr lang="en-US" baseline="0" dirty="0"/>
               <a:t>is written to be read.</a:t>
+            </a:r>
+          </a:p>
+          <a:p>
+            <a:r>
+              <a:rPr lang="en-US" baseline="0" dirty="0"/>
+              <a:t>great code is written </a:t>
+            </a:r>
+          </a:p>
+          <a:p>
+            <a:r>
+              <a:rPr lang="en-US" baseline="0" dirty="0"/>
+              <a:t>to be consumed</a:t>
+            </a:r>
+          </a:p>
+          <a:p>
+            <a:r>
+              <a:rPr lang="en-US" baseline="0" dirty="0"/>
+              <a:t>not just by compilers,</a:t>
+            </a:r>
+          </a:p>
+          <a:p>
+            <a:r>
+              <a:rPr lang="en-US" baseline="0" dirty="0"/>
+              <a:t>but by humans being.</a:t>
             </a:r>
           </a:p>
         </p:txBody>
@@ -6152,7 +6334,7 @@
           <a:p>
             <a:r>
               <a:rPr lang="en-US" baseline="0" dirty="0"/>
-              <a:t>But designing class and functions </a:t>
+              <a:t>But designing classes and functions </a:t>
             </a:r>
           </a:p>
           <a:p>
@@ -6417,7 +6599,7 @@
           <a:p>
             <a:r>
               <a:rPr lang="en-US" dirty="0"/>
-              <a:t>in this code</a:t>
+              <a:t>in this example code</a:t>
             </a:r>
           </a:p>
           <a:p>
@@ -6457,6 +6639,9 @@
             </a:r>
           </a:p>
           <a:p>
+            <a:endParaRPr lang="en-US" baseline="0" dirty="0"/>
+          </a:p>
+          <a:p>
             <a:r>
               <a:rPr lang="en-US" baseline="0" dirty="0"/>
               <a:t>while </a:t>
@@ -6498,18 +6683,34 @@
             <a:endParaRPr lang="en-US" baseline="0" dirty="0"/>
           </a:p>
           <a:p>
+            <a:r>
+              <a:rPr lang="en-US" baseline="0" dirty="0"/>
+              <a:t>Because it is not related to either.</a:t>
+            </a:r>
+          </a:p>
+          <a:p>
             <a:endParaRPr lang="en-US" baseline="0" dirty="0"/>
           </a:p>
           <a:p>
             <a:r>
+              <a:rPr lang="en-US" baseline="0" dirty="0"/>
+              <a:t>If you observe </a:t>
+            </a:r>
+            <a:r>
               <a:rPr lang="en-US" dirty="0"/>
-              <a:t>Side Effects from running a module or function </a:t>
+              <a:t>Side Effects </a:t>
             </a:r>
           </a:p>
           <a:p>
             <a:r>
               <a:rPr lang="en-US" dirty="0"/>
-              <a:t>also can imply poor cohesion. </a:t>
+              <a:t>from running a module or function </a:t>
+            </a:r>
+          </a:p>
+          <a:p>
+            <a:r>
+              <a:rPr lang="en-US" dirty="0"/>
+              <a:t>that can imply poor cohesion. </a:t>
             </a:r>
           </a:p>
         </p:txBody>
@@ -7153,13 +7354,7 @@
           <a:p>
             <a:r>
               <a:rPr lang="en-US" dirty="0"/>
-              <a:t>But that's a pretty low bar</a:t>
-            </a:r>
-          </a:p>
-          <a:p>
-            <a:r>
-              <a:rPr lang="en-US" dirty="0"/>
-              <a:t>to have to hit.</a:t>
+              <a:t>But that's is only half of the problem.</a:t>
             </a:r>
           </a:p>
           <a:p>
@@ -7739,12 +7934,15 @@
             </a:r>
           </a:p>
           <a:p>
-            <a:endParaRPr lang="en-US" dirty="0"/>
-          </a:p>
-          <a:p>
             <a:r>
               <a:rPr lang="en-US" dirty="0"/>
-              <a:t>Writing code in such a way </a:t>
+              <a:t>is the art of writing code</a:t>
+            </a:r>
+          </a:p>
+          <a:p>
+            <a:r>
+              <a:rPr lang="en-US" dirty="0"/>
+              <a:t>in such a way </a:t>
             </a:r>
           </a:p>
           <a:p>
@@ -8264,6 +8462,66 @@
           <a:p>
             <a:endParaRPr lang="en-US" dirty="0"/>
           </a:p>
+          <a:p>
+            <a:r>
+              <a:rPr lang="en-US" dirty="0"/>
+              <a:t>Anyone who inherits your code</a:t>
+            </a:r>
+          </a:p>
+          <a:p>
+            <a:r>
+              <a:rPr lang="en-US" dirty="0"/>
+              <a:t>anyone who ever reads your code</a:t>
+            </a:r>
+          </a:p>
+          <a:p>
+            <a:r>
+              <a:rPr lang="en-US" dirty="0"/>
+              <a:t>Those are the users of your code.</a:t>
+            </a:r>
+          </a:p>
+          <a:p>
+            <a:endParaRPr lang="en-US" dirty="0"/>
+          </a:p>
+          <a:p>
+            <a:r>
+              <a:rPr lang="en-US" sz="1200" dirty="0">
+                <a:solidFill>
+                  <a:schemeClr val="tx1"/>
+                </a:solidFill>
+                <a:latin typeface="3270SemiNarrow NF" pitchFamily="49" charset="0"/>
+                <a:ea typeface="3270SemiNarrow NF" pitchFamily="49" charset="0"/>
+              </a:rPr>
+              <a:t>always ask yourself</a:t>
+            </a:r>
+          </a:p>
+          <a:p>
+            <a:r>
+              <a:rPr lang="en-US" sz="1200" dirty="0">
+                <a:solidFill>
+                  <a:schemeClr val="tx1"/>
+                </a:solidFill>
+                <a:latin typeface="3270SemiNarrow NF" pitchFamily="49" charset="0"/>
+                <a:ea typeface="3270SemiNarrow NF" pitchFamily="49" charset="0"/>
+              </a:rPr>
+              <a:t>how will others use my code?</a:t>
+            </a:r>
+          </a:p>
+          <a:p>
+            <a:r>
+              <a:rPr lang="en-US" sz="1200" dirty="0">
+                <a:solidFill>
+                  <a:schemeClr val="tx1"/>
+                </a:solidFill>
+                <a:latin typeface="3270SemiNarrow NF" pitchFamily="49" charset="0"/>
+                <a:ea typeface="3270SemiNarrow NF" pitchFamily="49" charset="0"/>
+              </a:rPr>
+              <a:t>how can I make their experience with my code better?</a:t>
+            </a:r>
+          </a:p>
+          <a:p>
+            <a:endParaRPr lang="en-US" dirty="0"/>
+          </a:p>
         </p:txBody>
       </p:sp>
       <p:sp>
@@ -8349,7 +8607,31 @@
           </a:bodyPr>
           <a:lstStyle/>
           <a:p>
+            <a:r>
+              <a:rPr lang="en-US" dirty="0"/>
+              <a:t>make your code as accessible </a:t>
+            </a:r>
+          </a:p>
+          <a:p>
+            <a:r>
+              <a:rPr lang="en-US" dirty="0"/>
+              <a:t>to another developer as possible. </a:t>
+            </a:r>
+          </a:p>
+          <a:p>
             <a:endParaRPr lang="en-US" dirty="0"/>
+          </a:p>
+          <a:p>
+            <a:r>
+              <a:rPr lang="en-US" dirty="0"/>
+              <a:t>The more we reuse one another's code, </a:t>
+            </a:r>
+          </a:p>
+          <a:p>
+            <a:r>
+              <a:rPr lang="en-US" dirty="0"/>
+              <a:t>the better all our code becomes.</a:t>
+            </a:r>
           </a:p>
         </p:txBody>
       </p:sp>
@@ -8533,31 +8815,58 @@
           <a:p>
             <a:r>
               <a:rPr lang="en-US" dirty="0"/>
-              <a:t>Whenever you write a new code</a:t>
+              <a:t>In today's day and age</a:t>
             </a:r>
           </a:p>
           <a:p>
             <a:r>
               <a:rPr lang="en-US" dirty="0"/>
-              <a:t>you should be consciously aware </a:t>
-            </a:r>
+              <a:t>no code is an island.</a:t>
+            </a:r>
+          </a:p>
+          <a:p>
+            <a:endParaRPr lang="en-US" dirty="0"/>
           </a:p>
           <a:p>
             <a:r>
               <a:rPr lang="en-US" dirty="0"/>
-              <a:t>that someone else may very well need </a:t>
+              <a:t>We never write code </a:t>
             </a:r>
           </a:p>
           <a:p>
             <a:r>
               <a:rPr lang="en-US" dirty="0"/>
-              <a:t>what you are building </a:t>
-            </a:r>
+              <a:t>"just for ourselves" anymore</a:t>
+            </a:r>
+          </a:p>
+          <a:p>
+            <a:endParaRPr lang="en-US" dirty="0"/>
           </a:p>
           <a:p>
             <a:r>
               <a:rPr lang="en-US" dirty="0"/>
-              <a:t>for their own purposes. </a:t>
+              <a:t>As such it is critical to always be considerate </a:t>
+            </a:r>
+          </a:p>
+          <a:p>
+            <a:r>
+              <a:rPr lang="en-US" dirty="0"/>
+              <a:t>of how others are going to use your code. </a:t>
+            </a:r>
+          </a:p>
+          <a:p>
+            <a:endParaRPr lang="en-US" dirty="0"/>
+          </a:p>
+          <a:p>
+            <a:r>
+              <a:rPr lang="en-US" dirty="0"/>
+              <a:t>Which brings us to </a:t>
+            </a:r>
+          </a:p>
+          <a:p>
+            <a:r>
+              <a:rPr lang="en-US" dirty="0"/>
+              <a:t>our final technique…</a:t>
             </a:r>
           </a:p>
         </p:txBody>
@@ -8647,43 +8956,7 @@
           <a:p>
             <a:r>
               <a:rPr lang="en-US" dirty="0"/>
-              <a:t>Write your code </a:t>
-            </a:r>
-          </a:p>
-          <a:p>
-            <a:r>
-              <a:rPr lang="en-US" dirty="0"/>
-              <a:t>with reuse in mind. </a:t>
-            </a:r>
-          </a:p>
-          <a:p>
-            <a:endParaRPr lang="en-US" dirty="0"/>
-          </a:p>
-          <a:p>
-            <a:r>
-              <a:rPr lang="en-US" dirty="0"/>
-              <a:t>make your code as accessible </a:t>
-            </a:r>
-          </a:p>
-          <a:p>
-            <a:r>
-              <a:rPr lang="en-US" dirty="0"/>
-              <a:t>to another developer as possible. </a:t>
-            </a:r>
-          </a:p>
-          <a:p>
-            <a:endParaRPr lang="en-US" dirty="0"/>
-          </a:p>
-          <a:p>
-            <a:r>
-              <a:rPr lang="en-US" dirty="0"/>
-              <a:t>The more we reuse one another's code, </a:t>
-            </a:r>
-          </a:p>
-          <a:p>
-            <a:r>
-              <a:rPr lang="en-US" dirty="0"/>
-              <a:t>the better all our code becomes.</a:t>
+              <a:t>&lt;PAUSE&gt;</a:t>
             </a:r>
           </a:p>
         </p:txBody>
@@ -8772,59 +9045,50 @@
           <a:lstStyle/>
           <a:p>
             <a:r>
-              <a:rPr lang="en-US" dirty="0"/>
-              <a:t>In today's day and age</a:t>
-            </a:r>
-          </a:p>
-          <a:p>
-            <a:r>
-              <a:rPr lang="en-US" dirty="0"/>
-              <a:t>no code is an island.</a:t>
-            </a:r>
-          </a:p>
-          <a:p>
-            <a:endParaRPr lang="en-US" dirty="0"/>
-          </a:p>
-          <a:p>
-            <a:r>
-              <a:rPr lang="en-US" dirty="0"/>
-              <a:t>We never write code </a:t>
-            </a:r>
-          </a:p>
-          <a:p>
-            <a:r>
-              <a:rPr lang="en-US" dirty="0"/>
-              <a:t>"just for ourselves" anymore</a:t>
-            </a:r>
-          </a:p>
-          <a:p>
-            <a:endParaRPr lang="en-US" dirty="0"/>
-          </a:p>
-          <a:p>
-            <a:r>
-              <a:rPr lang="en-US" dirty="0"/>
-              <a:t>As such it is critical to always be considerate </a:t>
-            </a:r>
-          </a:p>
-          <a:p>
-            <a:r>
-              <a:rPr lang="en-US" dirty="0"/>
-              <a:t>of how others are going to use your code. </a:t>
-            </a:r>
-          </a:p>
-          <a:p>
-            <a:endParaRPr lang="en-US" dirty="0"/>
-          </a:p>
-          <a:p>
-            <a:r>
-              <a:rPr lang="en-US" dirty="0"/>
-              <a:t>Which brings us to </a:t>
-            </a:r>
-          </a:p>
-          <a:p>
-            <a:r>
-              <a:rPr lang="en-US" dirty="0"/>
-              <a:t>our final technique…</a:t>
+              <a:rPr lang="en-US" b="1" dirty="0"/>
+              <a:t>If you fail to communicate </a:t>
+            </a:r>
+          </a:p>
+          <a:p>
+            <a:r>
+              <a:rPr lang="en-US" b="1" dirty="0"/>
+              <a:t>how your code runs, </a:t>
+            </a:r>
+          </a:p>
+          <a:p>
+            <a:r>
+              <a:rPr lang="en-US" b="1" dirty="0"/>
+              <a:t>you might as well </a:t>
+            </a:r>
+          </a:p>
+          <a:p>
+            <a:r>
+              <a:rPr lang="en-US" b="1" dirty="0"/>
+              <a:t>not have written the code at all.</a:t>
+            </a:r>
+          </a:p>
+          <a:p>
+            <a:endParaRPr lang="en-US" b="1" dirty="0"/>
+          </a:p>
+          <a:p>
+            <a:r>
+              <a:rPr lang="en-US" b="0" dirty="0"/>
+              <a:t>I'm just going to let that</a:t>
+            </a:r>
+          </a:p>
+          <a:p>
+            <a:r>
+              <a:rPr lang="en-US" b="0" dirty="0"/>
+              <a:t>sink in for a minute.</a:t>
+            </a:r>
+          </a:p>
+          <a:p>
+            <a:endParaRPr lang="en-US" b="0" dirty="0"/>
+          </a:p>
+          <a:p>
+            <a:r>
+              <a:rPr lang="en-US" b="0" dirty="0"/>
+              <a:t>&lt;PAUSE&gt;</a:t>
             </a:r>
           </a:p>
         </p:txBody>
@@ -8914,7 +9178,69 @@
           <a:p>
             <a:r>
               <a:rPr lang="en-US" dirty="0"/>
-              <a:t>&lt;PAUSE&gt;</a:t>
+              <a:t>As I said before</a:t>
+            </a:r>
+          </a:p>
+          <a:p>
+            <a:endParaRPr lang="en-US" dirty="0"/>
+          </a:p>
+          <a:p>
+            <a:r>
+              <a:rPr lang="en-US" dirty="0"/>
+              <a:t>SLASH </a:t>
+            </a:r>
+            <a:r>
+              <a:rPr lang="en-US" dirty="0" err="1"/>
+              <a:t>SLASH</a:t>
+            </a:r>
+            <a:r>
+              <a:rPr lang="en-US" dirty="0"/>
+              <a:t>, </a:t>
+            </a:r>
+          </a:p>
+          <a:p>
+            <a:r>
+              <a:rPr lang="en-US" dirty="0"/>
+              <a:t>line comments,</a:t>
+            </a:r>
+          </a:p>
+          <a:p>
+            <a:r>
+              <a:rPr lang="en-US" dirty="0"/>
+              <a:t>use for logic comments</a:t>
+            </a:r>
+          </a:p>
+          <a:p>
+            <a:r>
+              <a:rPr lang="en-US" dirty="0"/>
+              <a:t>inline in the code.</a:t>
+            </a:r>
+          </a:p>
+          <a:p>
+            <a:endParaRPr lang="en-US" dirty="0"/>
+          </a:p>
+          <a:p>
+            <a:r>
+              <a:rPr lang="en-US" dirty="0"/>
+              <a:t>SLASH STAR,</a:t>
+            </a:r>
+          </a:p>
+          <a:p>
+            <a:r>
+              <a:rPr lang="en-US" dirty="0"/>
+              <a:t>block comments,</a:t>
+            </a:r>
+          </a:p>
+          <a:p>
+            <a:r>
+              <a:rPr lang="en-US" dirty="0"/>
+              <a:t>use for documenting</a:t>
+            </a:r>
+          </a:p>
+          <a:p>
+            <a:r>
+              <a:rPr lang="en-US" dirty="0"/>
+              <a:t>what our code does.</a:t>
             </a:r>
           </a:p>
         </p:txBody>
@@ -9003,28 +9329,72 @@
           <a:lstStyle/>
           <a:p>
             <a:r>
-              <a:rPr lang="en-US" b="1" dirty="0"/>
-              <a:t>If you fail to communicate </a:t>
-            </a:r>
-          </a:p>
-          <a:p>
-            <a:r>
-              <a:rPr lang="en-US" b="1" dirty="0"/>
-              <a:t>how your code runs, </a:t>
-            </a:r>
-          </a:p>
-          <a:p>
-            <a:r>
-              <a:rPr lang="en-US" b="1" dirty="0"/>
-              <a:t>you might as well </a:t>
-            </a:r>
-          </a:p>
-          <a:p>
-            <a:r>
-              <a:rPr lang="en-US" b="1" dirty="0"/>
-              <a:t>not have written the code at all.</a:t>
-            </a:r>
+              <a:rPr lang="en-US" dirty="0"/>
+              <a:t>And on that note</a:t>
+            </a:r>
+          </a:p>
+          <a:p>
+            <a:r>
+              <a:rPr lang="en-US" dirty="0"/>
+              <a:t>I highly recommend</a:t>
+            </a:r>
+          </a:p>
+          <a:p>
+            <a:r>
+              <a:rPr lang="en-US" dirty="0"/>
+              <a:t>you always take advantage of </a:t>
+            </a:r>
+          </a:p>
+          <a:p>
+            <a:r>
+              <a:rPr lang="en-US" dirty="0" err="1"/>
+              <a:t>JSDoc</a:t>
+            </a:r>
+            <a:r>
+              <a:rPr lang="en-US" dirty="0"/>
+              <a:t> / </a:t>
+            </a:r>
+            <a:r>
+              <a:rPr lang="en-US" dirty="0" err="1"/>
+              <a:t>TSDoc</a:t>
+            </a:r>
+            <a:r>
+              <a:rPr lang="en-US" dirty="0"/>
+              <a:t>.</a:t>
+            </a:r>
+          </a:p>
+          <a:p>
             <a:endParaRPr lang="en-US" dirty="0"/>
+          </a:p>
+          <a:p>
+            <a:r>
+              <a:rPr lang="en-US" dirty="0"/>
+              <a:t>These two libraries,</a:t>
+            </a:r>
+          </a:p>
+          <a:p>
+            <a:r>
+              <a:rPr lang="en-US" dirty="0"/>
+              <a:t>which are included by default</a:t>
+            </a:r>
+          </a:p>
+          <a:p>
+            <a:r>
+              <a:rPr lang="en-US" dirty="0"/>
+              <a:t>in most IDEs</a:t>
+            </a:r>
+          </a:p>
+          <a:p>
+            <a:r>
+              <a:rPr lang="en-US" dirty="0"/>
+              <a:t>make documentation not just easy</a:t>
+            </a:r>
+          </a:p>
+          <a:p>
+            <a:r>
+              <a:rPr lang="en-US" dirty="0"/>
+              <a:t>but incredibly powerful as well.</a:t>
+            </a:r>
           </a:p>
         </p:txBody>
       </p:sp>
@@ -9112,26 +9482,55 @@
           <a:lstStyle/>
           <a:p>
             <a:r>
-              <a:rPr lang="en-US" dirty="0"/>
-              <a:t>comments</a:t>
-            </a:r>
-          </a:p>
-          <a:p>
-            <a:endParaRPr lang="en-US" dirty="0"/>
-          </a:p>
-          <a:p>
-            <a:r>
-              <a:rPr lang="en-US" dirty="0"/>
-              <a:t>vs </a:t>
-            </a:r>
-          </a:p>
-          <a:p>
-            <a:endParaRPr lang="en-US" dirty="0"/>
-          </a:p>
-          <a:p>
-            <a:r>
-              <a:rPr lang="en-US" dirty="0"/>
-              <a:t>documentation</a:t>
+              <a:rPr lang="en-US" baseline="0" dirty="0"/>
+              <a:t>SLASH STAR </a:t>
+            </a:r>
+            <a:r>
+              <a:rPr lang="en-US" baseline="0" dirty="0" err="1"/>
+              <a:t>STAR</a:t>
+            </a:r>
+            <a:r>
+              <a:rPr lang="en-US" baseline="0" dirty="0"/>
+              <a:t> RETURN</a:t>
+            </a:r>
+          </a:p>
+          <a:p>
+            <a:r>
+              <a:rPr lang="en-US" baseline="0" dirty="0"/>
+              <a:t>before a function or class</a:t>
+            </a:r>
+          </a:p>
+          <a:p>
+            <a:r>
+              <a:rPr lang="en-US" baseline="0" dirty="0"/>
+              <a:t>in most IDEs </a:t>
+            </a:r>
+          </a:p>
+          <a:p>
+            <a:r>
+              <a:rPr lang="en-US" baseline="0" dirty="0"/>
+              <a:t>will give you a pre-formatted</a:t>
+            </a:r>
+          </a:p>
+          <a:p>
+            <a:r>
+              <a:rPr lang="en-US" baseline="0" dirty="0"/>
+              <a:t>documentation block</a:t>
+            </a:r>
+          </a:p>
+          <a:p>
+            <a:r>
+              <a:rPr lang="en-US" baseline="0" dirty="0"/>
+              <a:t>that you just have to fill out.</a:t>
+            </a:r>
+          </a:p>
+          <a:p>
+            <a:endParaRPr lang="en-US" baseline="0" dirty="0"/>
+          </a:p>
+          <a:p>
+            <a:r>
+              <a:rPr lang="en-US" baseline="0" dirty="0"/>
+              <a:t>Nothing could be easier.</a:t>
             </a:r>
           </a:p>
         </p:txBody>
@@ -9220,18 +9619,27 @@
           <a:lstStyle/>
           <a:p>
             <a:r>
-              <a:rPr lang="en-US" dirty="0" err="1"/>
-              <a:t>JSDoc</a:t>
-            </a:r>
-            <a:r>
               <a:rPr lang="en-US" dirty="0"/>
-              <a:t> / </a:t>
-            </a:r>
-            <a:r>
-              <a:rPr lang="en-US" dirty="0" err="1"/>
-              <a:t>TSDoc</a:t>
-            </a:r>
-            <a:endParaRPr lang="en-US" dirty="0"/>
+              <a:t>It is absolutely critical </a:t>
+            </a:r>
+          </a:p>
+          <a:p>
+            <a:r>
+              <a:rPr lang="en-US" dirty="0"/>
+              <a:t>that you document your code, </a:t>
+            </a:r>
+          </a:p>
+          <a:p>
+            <a:r>
+              <a:rPr lang="en-US" dirty="0"/>
+              <a:t>especially if you expect </a:t>
+            </a:r>
+          </a:p>
+          <a:p>
+            <a:r>
+              <a:rPr lang="en-US" dirty="0"/>
+              <a:t>anyone else to use it. </a:t>
+            </a:r>
           </a:p>
         </p:txBody>
       </p:sp>
@@ -9319,17 +9727,42 @@
           <a:lstStyle/>
           <a:p>
             <a:r>
-              <a:rPr lang="en-US" baseline="0" dirty="0"/>
-              <a:t>SLASH STAR </a:t>
-            </a:r>
-            <a:r>
-              <a:rPr lang="en-US" baseline="0" dirty="0" err="1"/>
-              <a:t>STAR</a:t>
-            </a:r>
-            <a:r>
-              <a:rPr lang="en-US" baseline="0" dirty="0"/>
-              <a:t> RETURN</a:t>
-            </a:r>
+              <a:rPr lang="en-US" dirty="0"/>
+              <a:t>So that's it.</a:t>
+            </a:r>
+          </a:p>
+          <a:p>
+            <a:endParaRPr lang="en-US" dirty="0"/>
+          </a:p>
+          <a:p>
+            <a:r>
+              <a:rPr lang="en-US" dirty="0"/>
+              <a:t>I'm sure </a:t>
+            </a:r>
+          </a:p>
+          <a:p>
+            <a:r>
+              <a:rPr lang="en-US" dirty="0"/>
+              <a:t>for a lot of you</a:t>
+            </a:r>
+          </a:p>
+          <a:p>
+            <a:r>
+              <a:rPr lang="en-US" dirty="0"/>
+              <a:t>you might feel</a:t>
+            </a:r>
+          </a:p>
+          <a:p>
+            <a:r>
+              <a:rPr lang="en-US" dirty="0"/>
+              <a:t>these are not even necessary.</a:t>
+            </a:r>
+          </a:p>
+          <a:p>
+            <a:endParaRPr lang="en-US" dirty="0"/>
+          </a:p>
+          <a:p>
+            <a:endParaRPr lang="en-US" dirty="0"/>
           </a:p>
         </p:txBody>
       </p:sp>
@@ -9418,26 +9851,50 @@
           <a:p>
             <a:r>
               <a:rPr lang="en-US" dirty="0"/>
-              <a:t>It is absolutely critical </a:t>
+              <a:t>But you are not</a:t>
             </a:r>
           </a:p>
           <a:p>
             <a:r>
               <a:rPr lang="en-US" dirty="0"/>
-              <a:t>that you document your code, </a:t>
-            </a:r>
+              <a:t>the end target of your code.</a:t>
+            </a:r>
+          </a:p>
+          <a:p>
+            <a:endParaRPr lang="en-US" dirty="0"/>
           </a:p>
           <a:p>
             <a:r>
               <a:rPr lang="en-US" dirty="0"/>
-              <a:t>especially if you expect </a:t>
+              <a:t>You are not </a:t>
             </a:r>
           </a:p>
           <a:p>
             <a:r>
               <a:rPr lang="en-US" dirty="0"/>
-              <a:t>anyone else to use it. </a:t>
-            </a:r>
+              <a:t>the consumer of it,</a:t>
+            </a:r>
+          </a:p>
+          <a:p>
+            <a:endParaRPr lang="en-US" dirty="0"/>
+          </a:p>
+          <a:p>
+            <a:r>
+              <a:rPr lang="en-US" dirty="0"/>
+              <a:t>you are not</a:t>
+            </a:r>
+          </a:p>
+          <a:p>
+            <a:r>
+              <a:rPr lang="en-US" dirty="0"/>
+              <a:t>the user of it.</a:t>
+            </a:r>
+          </a:p>
+          <a:p>
+            <a:endParaRPr lang="en-US" dirty="0"/>
+          </a:p>
+          <a:p>
+            <a:endParaRPr lang="en-US" dirty="0"/>
           </a:p>
         </p:txBody>
       </p:sp>
@@ -9466,6 +9923,11 @@
         </p:txBody>
       </p:sp>
     </p:spTree>
+    <p:extLst>
+      <p:ext uri="{BB962C8B-B14F-4D97-AF65-F5344CB8AC3E}">
+        <p14:creationId xmlns:p14="http://schemas.microsoft.com/office/powerpoint/2010/main" val="248454966"/>
+      </p:ext>
+    </p:extLst>
   </p:cSld>
   <p:clrMapOvr>
     <a:masterClrMapping/>
@@ -9526,38 +9988,64 @@
           <a:p>
             <a:r>
               <a:rPr lang="en-US" dirty="0"/>
-              <a:t>So that's it.</a:t>
+              <a:t>You are not</a:t>
+            </a:r>
+          </a:p>
+          <a:p>
+            <a:r>
+              <a:rPr lang="en-US" dirty="0"/>
+              <a:t>the person </a:t>
+            </a:r>
+          </a:p>
+          <a:p>
+            <a:r>
+              <a:rPr lang="en-US" dirty="0"/>
+              <a:t>who has to read your code</a:t>
+            </a:r>
+          </a:p>
+          <a:p>
+            <a:r>
+              <a:rPr lang="en-US" dirty="0"/>
+              <a:t>at 3am</a:t>
+            </a:r>
+          </a:p>
+          <a:p>
+            <a:r>
+              <a:rPr lang="en-US" dirty="0"/>
+              <a:t>on a Tuesday</a:t>
+            </a:r>
+          </a:p>
+          <a:p>
+            <a:r>
+              <a:rPr lang="en-US" dirty="0"/>
+              <a:t>because its fucking up production.</a:t>
             </a:r>
           </a:p>
           <a:p>
             <a:endParaRPr lang="en-US" dirty="0"/>
           </a:p>
           <a:p>
-            <a:r>
-              <a:rPr lang="en-US" dirty="0"/>
-              <a:t>I'm sure </a:t>
-            </a:r>
-          </a:p>
-          <a:p>
-            <a:r>
-              <a:rPr lang="en-US" dirty="0"/>
-              <a:t>for a lot of you</a:t>
-            </a:r>
-          </a:p>
-          <a:p>
-            <a:r>
-              <a:rPr lang="en-US" dirty="0"/>
-              <a:t>you might feel</a:t>
-            </a:r>
-          </a:p>
-          <a:p>
-            <a:r>
-              <a:rPr lang="en-US" dirty="0"/>
-              <a:t>these are not even necessary.</a:t>
-            </a:r>
-          </a:p>
-          <a:p>
-            <a:endParaRPr lang="en-US" dirty="0"/>
+            <a:pPr marL="0" marR="0" lvl="0" indent="0" algn="l" defTabSz="914400" rtl="0" eaLnBrk="1" fontAlgn="auto" latinLnBrk="0" hangingPunct="1">
+              <a:lnSpc>
+                <a:spcPct val="100000"/>
+              </a:lnSpc>
+              <a:spcBef>
+                <a:spcPts val="0"/>
+              </a:spcBef>
+              <a:spcAft>
+                <a:spcPts val="0"/>
+              </a:spcAft>
+              <a:buClrTx/>
+              <a:buSzTx/>
+              <a:buFontTx/>
+              <a:buNone/>
+              <a:tabLst/>
+              <a:defRPr/>
+            </a:pPr>
+            <a:r>
+              <a:rPr lang="en-US" b="0" dirty="0"/>
+              <a:t>So I remind you once again</a:t>
+            </a:r>
           </a:p>
           <a:p>
             <a:endParaRPr lang="en-US" dirty="0"/>
@@ -9589,6 +10077,11 @@
         </p:txBody>
       </p:sp>
     </p:spTree>
+    <p:extLst>
+      <p:ext uri="{BB962C8B-B14F-4D97-AF65-F5344CB8AC3E}">
+        <p14:creationId xmlns:p14="http://schemas.microsoft.com/office/powerpoint/2010/main" val="1741358211"/>
+      </p:ext>
+    </p:extLst>
   </p:cSld>
   <p:clrMapOvr>
     <a:masterClrMapping/>
@@ -9649,7 +10142,7 @@
           <a:p>
             <a:r>
               <a:rPr lang="en-US" baseline="0" dirty="0"/>
-              <a:t>teaches them to</a:t>
+              <a:t>it teaches </a:t>
             </a:r>
           </a:p>
           <a:p>
@@ -9658,7 +10151,7 @@
           <a:p>
             <a:r>
               <a:rPr lang="en-US" baseline="0" dirty="0"/>
-              <a:t> - understand the problem</a:t>
+              <a:t> - how to understand the problem</a:t>
             </a:r>
           </a:p>
           <a:p>
@@ -9667,7 +10160,7 @@
           <a:p>
             <a:r>
               <a:rPr lang="en-US" baseline="0" dirty="0"/>
-              <a:t> - understand the solution </a:t>
+              <a:t> - how to understand the solution </a:t>
             </a:r>
           </a:p>
           <a:p>
@@ -9676,7 +10169,7 @@
           <a:p>
             <a:r>
               <a:rPr lang="en-US" baseline="0" dirty="0"/>
-              <a:t> - and understand how to move beyond.</a:t>
+              <a:t> - and how to move beyond.</a:t>
             </a:r>
           </a:p>
         </p:txBody>
@@ -9765,39 +10258,30 @@
           <a:lstStyle/>
           <a:p>
             <a:r>
-              <a:rPr lang="en-US" dirty="0"/>
-              <a:t>But you are not</a:t>
-            </a:r>
-          </a:p>
-          <a:p>
-            <a:r>
-              <a:rPr lang="en-US" dirty="0"/>
-              <a:t>the end target of your code.</a:t>
-            </a:r>
-          </a:p>
-          <a:p>
-            <a:r>
-              <a:rPr lang="en-US" dirty="0"/>
-              <a:t>You are not </a:t>
-            </a:r>
-          </a:p>
-          <a:p>
-            <a:r>
-              <a:rPr lang="en-US" dirty="0"/>
-              <a:t>the consumer of it,</a:t>
-            </a:r>
-          </a:p>
-          <a:p>
-            <a:r>
-              <a:rPr lang="en-US" dirty="0"/>
-              <a:t>the user of it.</a:t>
-            </a:r>
-          </a:p>
-          <a:p>
-            <a:endParaRPr lang="en-US" dirty="0"/>
-          </a:p>
-          <a:p>
-            <a:endParaRPr lang="en-US" dirty="0"/>
+              <a:rPr lang="en-US" b="0" dirty="0"/>
+              <a:t>Writing great code </a:t>
+            </a:r>
+          </a:p>
+          <a:p>
+            <a:r>
+              <a:rPr lang="en-US" b="0" dirty="0"/>
+              <a:t>is about writing code</a:t>
+            </a:r>
+          </a:p>
+          <a:p>
+            <a:r>
+              <a:rPr lang="en-US" b="0" dirty="0"/>
+              <a:t>for other people.</a:t>
+            </a:r>
+          </a:p>
+          <a:p>
+            <a:endParaRPr lang="en-US" b="0" dirty="0"/>
+          </a:p>
+          <a:p>
+            <a:r>
+              <a:rPr lang="en-US" b="0" dirty="0"/>
+              <a:t>And that means code that is…</a:t>
+            </a:r>
           </a:p>
         </p:txBody>
       </p:sp>
@@ -9828,7 +10312,7 @@
     </p:spTree>
     <p:extLst>
       <p:ext uri="{BB962C8B-B14F-4D97-AF65-F5344CB8AC3E}">
-        <p14:creationId xmlns:p14="http://schemas.microsoft.com/office/powerpoint/2010/main" val="248454966"/>
+        <p14:creationId xmlns:p14="http://schemas.microsoft.com/office/powerpoint/2010/main" val="3796048520"/>
       </p:ext>
     </p:extLst>
   </p:cSld>
@@ -9891,73 +10375,35 @@
           <a:p>
             <a:r>
               <a:rPr lang="en-US" dirty="0"/>
-              <a:t>You are also not</a:t>
+              <a:t>readable</a:t>
             </a:r>
           </a:p>
           <a:p>
             <a:r>
               <a:rPr lang="en-US" dirty="0"/>
-              <a:t>the person </a:t>
+              <a:t>contextual</a:t>
             </a:r>
           </a:p>
           <a:p>
             <a:r>
               <a:rPr lang="en-US" dirty="0"/>
-              <a:t>who has to read your code</a:t>
+              <a:t>understandable</a:t>
             </a:r>
           </a:p>
           <a:p>
             <a:r>
               <a:rPr lang="en-US" dirty="0"/>
-              <a:t>at 3am</a:t>
-            </a:r>
+              <a:t>and usable.</a:t>
+            </a:r>
+          </a:p>
+          <a:p>
+            <a:endParaRPr lang="en-US" dirty="0"/>
           </a:p>
           <a:p>
             <a:r>
               <a:rPr lang="en-US" dirty="0"/>
-              <a:t>on a Tuesday</a:t>
-            </a:r>
-          </a:p>
-          <a:p>
-            <a:r>
-              <a:rPr lang="en-US" dirty="0"/>
-              <a:t>because its fucking up production</a:t>
-            </a:r>
-          </a:p>
-          <a:p>
-            <a:r>
-              <a:rPr lang="en-US" dirty="0"/>
-              <a:t>and oh my god it needs to be fixed right now right now right now.</a:t>
-            </a:r>
-          </a:p>
-          <a:p>
-            <a:endParaRPr lang="en-US" dirty="0"/>
-          </a:p>
-          <a:p>
-            <a:pPr marL="0" marR="0" lvl="0" indent="0" algn="l" defTabSz="914400" rtl="0" eaLnBrk="1" fontAlgn="auto" latinLnBrk="0" hangingPunct="1">
-              <a:lnSpc>
-                <a:spcPct val="100000"/>
-              </a:lnSpc>
-              <a:spcBef>
-                <a:spcPts val="0"/>
-              </a:spcBef>
-              <a:spcAft>
-                <a:spcPts val="0"/>
-              </a:spcAft>
-              <a:buClrTx/>
-              <a:buSzTx/>
-              <a:buFontTx/>
-              <a:buNone/>
-              <a:tabLst/>
-              <a:defRPr/>
-            </a:pPr>
-            <a:r>
-              <a:rPr lang="en-US" b="0" dirty="0"/>
-              <a:t>So I remind you once again</a:t>
-            </a:r>
-          </a:p>
-          <a:p>
-            <a:endParaRPr lang="en-US" dirty="0"/>
+              <a:t>And as I said before…</a:t>
+            </a:r>
           </a:p>
         </p:txBody>
       </p:sp>
@@ -9988,7 +10434,7 @@
     </p:spTree>
     <p:extLst>
       <p:ext uri="{BB962C8B-B14F-4D97-AF65-F5344CB8AC3E}">
-        <p14:creationId xmlns:p14="http://schemas.microsoft.com/office/powerpoint/2010/main" val="1741358211"/>
+        <p14:creationId xmlns:p14="http://schemas.microsoft.com/office/powerpoint/2010/main" val="1323459694"/>
       </p:ext>
     </p:extLst>
   </p:cSld>
@@ -10050,29 +10496,23 @@
           <a:lstStyle/>
           <a:p>
             <a:r>
-              <a:rPr lang="en-US" b="0" dirty="0"/>
-              <a:t>Writing great code </a:t>
-            </a:r>
-          </a:p>
-          <a:p>
-            <a:r>
-              <a:rPr lang="en-US" b="0" dirty="0"/>
-              <a:t>is about writing code</a:t>
-            </a:r>
-          </a:p>
-          <a:p>
-            <a:r>
-              <a:rPr lang="en-US" b="0" dirty="0"/>
-              <a:t>for other people.</a:t>
-            </a:r>
-          </a:p>
-          <a:p>
-            <a:endParaRPr lang="en-US" b="0" dirty="0"/>
-          </a:p>
-          <a:p>
-            <a:r>
-              <a:rPr lang="en-US" b="0" dirty="0"/>
-              <a:t>And that means code that is…</a:t>
+              <a:rPr lang="en-US" dirty="0"/>
+              <a:t>good code works…</a:t>
+            </a:r>
+          </a:p>
+          <a:p>
+            <a:r>
+              <a:rPr lang="en-US" dirty="0"/>
+              <a:t>but great code teaches.</a:t>
+            </a:r>
+          </a:p>
+          <a:p>
+            <a:endParaRPr lang="en-US" dirty="0"/>
+          </a:p>
+          <a:p>
+            <a:r>
+              <a:rPr lang="en-US" dirty="0"/>
+              <a:t>So be a great code teacher.</a:t>
             </a:r>
           </a:p>
         </p:txBody>
@@ -10102,11 +10542,6 @@
         </p:txBody>
       </p:sp>
     </p:spTree>
-    <p:extLst>
-      <p:ext uri="{BB962C8B-B14F-4D97-AF65-F5344CB8AC3E}">
-        <p14:creationId xmlns:p14="http://schemas.microsoft.com/office/powerpoint/2010/main" val="3796048520"/>
-      </p:ext>
-    </p:extLst>
   </p:cSld>
   <p:clrMapOvr>
     <a:masterClrMapping/>
@@ -10167,34 +10602,7 @@
           <a:p>
             <a:r>
               <a:rPr lang="en-US" dirty="0"/>
-              <a:t>readable</a:t>
-            </a:r>
-          </a:p>
-          <a:p>
-            <a:r>
-              <a:rPr lang="en-US" dirty="0"/>
-              <a:t>contextual</a:t>
-            </a:r>
-          </a:p>
-          <a:p>
-            <a:r>
-              <a:rPr lang="en-US" dirty="0"/>
-              <a:t>understandable</a:t>
-            </a:r>
-          </a:p>
-          <a:p>
-            <a:r>
-              <a:rPr lang="en-US" dirty="0"/>
-              <a:t>usable</a:t>
-            </a:r>
-          </a:p>
-          <a:p>
-            <a:endParaRPr lang="en-US" dirty="0"/>
-          </a:p>
-          <a:p>
-            <a:r>
-              <a:rPr lang="en-US" dirty="0"/>
-              <a:t>And…</a:t>
+              <a:t>Thank you.</a:t>
             </a:r>
           </a:p>
         </p:txBody>
@@ -10218,206 +10626,6 @@
               <a:rPr lang="en-US" smtClean="0"/>
               <a:pPr/>
               <a:t>83</a:t>
-            </a:fld>
-            <a:endParaRPr lang="en-US"/>
-          </a:p>
-        </p:txBody>
-      </p:sp>
-    </p:spTree>
-    <p:extLst>
-      <p:ext uri="{BB962C8B-B14F-4D97-AF65-F5344CB8AC3E}">
-        <p14:creationId xmlns:p14="http://schemas.microsoft.com/office/powerpoint/2010/main" val="1323459694"/>
-      </p:ext>
-    </p:extLst>
-  </p:cSld>
-  <p:clrMapOvr>
-    <a:masterClrMapping/>
-  </p:clrMapOvr>
-</p:notes>
-</file>
-
-<file path=ppt/notesSlides/notesSlide84.xml><?xml version="1.0" encoding="utf-8"?>
-<p:notes xmlns:a="http://schemas.openxmlformats.org/drawingml/2006/main" xmlns:r="http://schemas.openxmlformats.org/officeDocument/2006/relationships" xmlns:p="http://schemas.openxmlformats.org/presentationml/2006/main">
-  <p:cSld>
-    <p:spTree>
-      <p:nvGrpSpPr>
-        <p:cNvPr id="1" name=""/>
-        <p:cNvGrpSpPr/>
-        <p:nvPr/>
-      </p:nvGrpSpPr>
-      <p:grpSpPr>
-        <a:xfrm>
-          <a:off x="0" y="0"/>
-          <a:ext cx="0" cy="0"/>
-          <a:chOff x="0" y="0"/>
-          <a:chExt cx="0" cy="0"/>
-        </a:xfrm>
-      </p:grpSpPr>
-      <p:sp>
-        <p:nvSpPr>
-          <p:cNvPr id="2" name="Slide Image Placeholder 1"/>
-          <p:cNvSpPr>
-            <a:spLocks noGrp="1" noRot="1" noChangeAspect="1"/>
-          </p:cNvSpPr>
-          <p:nvPr>
-            <p:ph type="sldImg"/>
-          </p:nvPr>
-        </p:nvSpPr>
-        <p:spPr>
-          <a:xfrm>
-            <a:off x="381000" y="685800"/>
-            <a:ext cx="6096000" cy="3429000"/>
-          </a:xfrm>
-        </p:spPr>
-      </p:sp>
-      <p:sp>
-        <p:nvSpPr>
-          <p:cNvPr id="3" name="Notes Placeholder 2"/>
-          <p:cNvSpPr>
-            <a:spLocks noGrp="1"/>
-          </p:cNvSpPr>
-          <p:nvPr>
-            <p:ph type="body" idx="1"/>
-          </p:nvPr>
-        </p:nvSpPr>
-        <p:spPr/>
-        <p:txBody>
-          <a:bodyPr>
-            <a:normAutofit/>
-          </a:bodyPr>
-          <a:lstStyle/>
-          <a:p>
-            <a:r>
-              <a:rPr lang="en-US" dirty="0"/>
-              <a:t>good code works…</a:t>
-            </a:r>
-          </a:p>
-          <a:p>
-            <a:r>
-              <a:rPr lang="en-US" dirty="0"/>
-              <a:t>but great code teaches.</a:t>
-            </a:r>
-          </a:p>
-          <a:p>
-            <a:endParaRPr lang="en-US" dirty="0"/>
-          </a:p>
-          <a:p>
-            <a:r>
-              <a:rPr lang="en-US" dirty="0"/>
-              <a:t>So teach.</a:t>
-            </a:r>
-          </a:p>
-        </p:txBody>
-      </p:sp>
-      <p:sp>
-        <p:nvSpPr>
-          <p:cNvPr id="4" name="Slide Number Placeholder 3"/>
-          <p:cNvSpPr>
-            <a:spLocks noGrp="1"/>
-          </p:cNvSpPr>
-          <p:nvPr>
-            <p:ph type="sldNum" sz="quarter" idx="10"/>
-          </p:nvPr>
-        </p:nvSpPr>
-        <p:spPr/>
-        <p:txBody>
-          <a:bodyPr/>
-          <a:lstStyle/>
-          <a:p>
-            <a:fld id="{460AD93B-DE7C-4ED8-97C9-D4BB3BEB4449}" type="slidenum">
-              <a:rPr lang="en-US" smtClean="0"/>
-              <a:pPr/>
-              <a:t>84</a:t>
-            </a:fld>
-            <a:endParaRPr lang="en-US"/>
-          </a:p>
-        </p:txBody>
-      </p:sp>
-    </p:spTree>
-  </p:cSld>
-  <p:clrMapOvr>
-    <a:masterClrMapping/>
-  </p:clrMapOvr>
-</p:notes>
-</file>
-
-<file path=ppt/notesSlides/notesSlide85.xml><?xml version="1.0" encoding="utf-8"?>
-<p:notes xmlns:a="http://schemas.openxmlformats.org/drawingml/2006/main" xmlns:r="http://schemas.openxmlformats.org/officeDocument/2006/relationships" xmlns:p="http://schemas.openxmlformats.org/presentationml/2006/main">
-  <p:cSld>
-    <p:spTree>
-      <p:nvGrpSpPr>
-        <p:cNvPr id="1" name=""/>
-        <p:cNvGrpSpPr/>
-        <p:nvPr/>
-      </p:nvGrpSpPr>
-      <p:grpSpPr>
-        <a:xfrm>
-          <a:off x="0" y="0"/>
-          <a:ext cx="0" cy="0"/>
-          <a:chOff x="0" y="0"/>
-          <a:chExt cx="0" cy="0"/>
-        </a:xfrm>
-      </p:grpSpPr>
-      <p:sp>
-        <p:nvSpPr>
-          <p:cNvPr id="2" name="Slide Image Placeholder 1"/>
-          <p:cNvSpPr>
-            <a:spLocks noGrp="1" noRot="1" noChangeAspect="1"/>
-          </p:cNvSpPr>
-          <p:nvPr>
-            <p:ph type="sldImg"/>
-          </p:nvPr>
-        </p:nvSpPr>
-        <p:spPr>
-          <a:xfrm>
-            <a:off x="381000" y="685800"/>
-            <a:ext cx="6096000" cy="3429000"/>
-          </a:xfrm>
-        </p:spPr>
-      </p:sp>
-      <p:sp>
-        <p:nvSpPr>
-          <p:cNvPr id="3" name="Notes Placeholder 2"/>
-          <p:cNvSpPr>
-            <a:spLocks noGrp="1"/>
-          </p:cNvSpPr>
-          <p:nvPr>
-            <p:ph type="body" idx="1"/>
-          </p:nvPr>
-        </p:nvSpPr>
-        <p:spPr/>
-        <p:txBody>
-          <a:bodyPr>
-            <a:normAutofit/>
-          </a:bodyPr>
-          <a:lstStyle/>
-          <a:p>
-            <a:r>
-              <a:rPr lang="en-US" dirty="0"/>
-              <a:t>Thank you.</a:t>
-            </a:r>
-          </a:p>
-        </p:txBody>
-      </p:sp>
-      <p:sp>
-        <p:nvSpPr>
-          <p:cNvPr id="4" name="Slide Number Placeholder 3"/>
-          <p:cNvSpPr>
-            <a:spLocks noGrp="1"/>
-          </p:cNvSpPr>
-          <p:nvPr>
-            <p:ph type="sldNum" sz="quarter" idx="10"/>
-          </p:nvPr>
-        </p:nvSpPr>
-        <p:spPr/>
-        <p:txBody>
-          <a:bodyPr/>
-          <a:lstStyle/>
-          <a:p>
-            <a:fld id="{460AD93B-DE7C-4ED8-97C9-D4BB3BEB4449}" type="slidenum">
-              <a:rPr lang="en-US" smtClean="0"/>
-              <a:pPr/>
-              <a:t>85</a:t>
             </a:fld>
             <a:endParaRPr lang="en-US"/>
           </a:p>
@@ -10521,6 +10729,12 @@
             <a:r>
               <a:rPr lang="en-US" baseline="0" dirty="0"/>
               <a:t>code that elevates the conversation.</a:t>
+            </a:r>
+          </a:p>
+          <a:p>
+            <a:r>
+              <a:rPr lang="en-US" baseline="0" dirty="0"/>
+              <a:t>&lt;PAUSE&gt;</a:t>
             </a:r>
           </a:p>
         </p:txBody>
@@ -10673,7 +10887,7 @@
             <a:fld id="{A0D7CAEE-3E38-4DED-9135-4E056CB1A8CD}" type="datetimeFigureOut">
               <a:rPr lang="en-US" smtClean="0"/>
               <a:pPr/>
-              <a:t>11/29/2020</a:t>
+              <a:t>12/2/2020</a:t>
             </a:fld>
             <a:endParaRPr lang="en-US"/>
           </a:p>
@@ -10899,7 +11113,7 @@
             <a:fld id="{A0D7CAEE-3E38-4DED-9135-4E056CB1A8CD}" type="datetimeFigureOut">
               <a:rPr lang="en-US" smtClean="0"/>
               <a:pPr/>
-              <a:t>11/29/2020</a:t>
+              <a:t>12/2/2020</a:t>
             </a:fld>
             <a:endParaRPr lang="en-US"/>
           </a:p>
@@ -11075,7 +11289,7 @@
             <a:fld id="{A0D7CAEE-3E38-4DED-9135-4E056CB1A8CD}" type="datetimeFigureOut">
               <a:rPr lang="en-US" smtClean="0"/>
               <a:pPr/>
-              <a:t>11/29/2020</a:t>
+              <a:t>12/2/2020</a:t>
             </a:fld>
             <a:endParaRPr lang="en-US"/>
           </a:p>
@@ -11241,7 +11455,7 @@
             <a:fld id="{A0D7CAEE-3E38-4DED-9135-4E056CB1A8CD}" type="datetimeFigureOut">
               <a:rPr lang="en-US" smtClean="0"/>
               <a:pPr/>
-              <a:t>11/29/2020</a:t>
+              <a:t>12/2/2020</a:t>
             </a:fld>
             <a:endParaRPr lang="en-US"/>
           </a:p>
@@ -11486,7 +11700,7 @@
             <a:fld id="{A0D7CAEE-3E38-4DED-9135-4E056CB1A8CD}" type="datetimeFigureOut">
               <a:rPr lang="en-US" smtClean="0"/>
               <a:pPr/>
-              <a:t>11/29/2020</a:t>
+              <a:t>12/2/2020</a:t>
             </a:fld>
             <a:endParaRPr lang="en-US"/>
           </a:p>
@@ -11751,7 +11965,7 @@
             <a:fld id="{A0D7CAEE-3E38-4DED-9135-4E056CB1A8CD}" type="datetimeFigureOut">
               <a:rPr lang="en-US" smtClean="0"/>
               <a:pPr/>
-              <a:t>11/29/2020</a:t>
+              <a:t>12/2/2020</a:t>
             </a:fld>
             <a:endParaRPr lang="en-US"/>
           </a:p>
@@ -12126,7 +12340,7 @@
             <a:fld id="{A0D7CAEE-3E38-4DED-9135-4E056CB1A8CD}" type="datetimeFigureOut">
               <a:rPr lang="en-US" smtClean="0"/>
               <a:pPr/>
-              <a:t>11/29/2020</a:t>
+              <a:t>12/2/2020</a:t>
             </a:fld>
             <a:endParaRPr lang="en-US"/>
           </a:p>
@@ -12240,7 +12454,7 @@
             <a:fld id="{A0D7CAEE-3E38-4DED-9135-4E056CB1A8CD}" type="datetimeFigureOut">
               <a:rPr lang="en-US" smtClean="0"/>
               <a:pPr/>
-              <a:t>11/29/2020</a:t>
+              <a:t>12/2/2020</a:t>
             </a:fld>
             <a:endParaRPr lang="en-US"/>
           </a:p>
@@ -12332,7 +12546,7 @@
             <a:fld id="{A0D7CAEE-3E38-4DED-9135-4E056CB1A8CD}" type="datetimeFigureOut">
               <a:rPr lang="en-US" smtClean="0"/>
               <a:pPr/>
-              <a:t>11/29/2020</a:t>
+              <a:t>12/2/2020</a:t>
             </a:fld>
             <a:endParaRPr lang="en-US"/>
           </a:p>
@@ -12591,7 +12805,7 @@
             <a:fld id="{A0D7CAEE-3E38-4DED-9135-4E056CB1A8CD}" type="datetimeFigureOut">
               <a:rPr lang="en-US" smtClean="0"/>
               <a:pPr/>
-              <a:t>11/29/2020</a:t>
+              <a:t>12/2/2020</a:t>
             </a:fld>
             <a:endParaRPr lang="en-US"/>
           </a:p>
@@ -12856,7 +13070,7 @@
             <a:fld id="{A0D7CAEE-3E38-4DED-9135-4E056CB1A8CD}" type="datetimeFigureOut">
               <a:rPr lang="en-US" smtClean="0"/>
               <a:pPr/>
-              <a:t>11/29/2020</a:t>
+              <a:t>12/2/2020</a:t>
             </a:fld>
             <a:endParaRPr lang="en-US"/>
           </a:p>
@@ -13073,7 +13287,7 @@
             <a:fld id="{A0D7CAEE-3E38-4DED-9135-4E056CB1A8CD}" type="datetimeFigureOut">
               <a:rPr lang="en-US" smtClean="0"/>
               <a:pPr/>
-              <a:t>11/29/2020</a:t>
+              <a:t>12/2/2020</a:t>
             </a:fld>
             <a:endParaRPr lang="en-US"/>
           </a:p>
@@ -38051,27 +38265,7 @@
                 <a:latin typeface="3270SemiNarrow NF" pitchFamily="49" charset="0"/>
                 <a:ea typeface="3270SemiNarrow NF" pitchFamily="49" charset="0"/>
               </a:rPr>
-              <a:t> </a:t>
-            </a:r>
-            <a:r>
-              <a:rPr lang="es-ES" sz="1600" dirty="0" err="1">
-                <a:solidFill>
-                  <a:srgbClr val="FFFF00"/>
-                </a:solidFill>
-                <a:latin typeface="3270SemiNarrow NF" pitchFamily="49" charset="0"/>
-                <a:ea typeface="3270SemiNarrow NF" pitchFamily="49" charset="0"/>
-              </a:rPr>
-              <a:t>be</a:t>
-            </a:r>
-            <a:r>
-              <a:rPr lang="es-ES" sz="1600" dirty="0">
-                <a:solidFill>
-                  <a:srgbClr val="FFFF00"/>
-                </a:solidFill>
-                <a:latin typeface="3270SemiNarrow NF" pitchFamily="49" charset="0"/>
-                <a:ea typeface="3270SemiNarrow NF" pitchFamily="49" charset="0"/>
-              </a:rPr>
-              <a:t> a </a:t>
+              <a:t> be a </a:t>
             </a:r>
             <a:r>
               <a:rPr lang="es-ES" sz="1600" dirty="0" err="1">
@@ -38586,27 +38780,7 @@
                 <a:latin typeface="3270SemiNarrow NF" pitchFamily="49" charset="0"/>
                 <a:ea typeface="3270SemiNarrow NF" pitchFamily="49" charset="0"/>
               </a:rPr>
-              <a:t> </a:t>
-            </a:r>
-            <a:r>
-              <a:rPr lang="es-ES" sz="1600" dirty="0" err="1">
-                <a:solidFill>
-                  <a:srgbClr val="FFFF00"/>
-                </a:solidFill>
-                <a:latin typeface="3270SemiNarrow NF" pitchFamily="49" charset="0"/>
-                <a:ea typeface="3270SemiNarrow NF" pitchFamily="49" charset="0"/>
-              </a:rPr>
-              <a:t>be</a:t>
-            </a:r>
-            <a:r>
-              <a:rPr lang="es-ES" sz="1600" dirty="0">
-                <a:solidFill>
-                  <a:srgbClr val="FFFF00"/>
-                </a:solidFill>
-                <a:latin typeface="3270SemiNarrow NF" pitchFamily="49" charset="0"/>
-                <a:ea typeface="3270SemiNarrow NF" pitchFamily="49" charset="0"/>
-              </a:rPr>
-              <a:t> a </a:t>
+              <a:t> be a </a:t>
             </a:r>
             <a:r>
               <a:rPr lang="es-ES" sz="1600" dirty="0" err="1">
@@ -39802,6 +39976,27 @@
               <a:t>Build everything with another user's experience in mind.</a:t>
             </a:r>
           </a:p>
+          <a:p>
+            <a:endParaRPr lang="en-US" sz="2000" dirty="0">
+              <a:latin typeface="3270SemiNarrow NF" pitchFamily="49" charset="0"/>
+              <a:ea typeface="3270SemiNarrow NF" pitchFamily="49" charset="0"/>
+            </a:endParaRPr>
+          </a:p>
+          <a:p>
+            <a:endParaRPr lang="en-US" sz="3200" dirty="0">
+              <a:solidFill>
+                <a:schemeClr val="tx1"/>
+              </a:solidFill>
+              <a:latin typeface="3270SemiNarrow NF" pitchFamily="49" charset="0"/>
+              <a:ea typeface="3270SemiNarrow NF" pitchFamily="49" charset="0"/>
+            </a:endParaRPr>
+          </a:p>
+          <a:p>
+            <a:endParaRPr lang="en-US" sz="3200" dirty="0">
+              <a:latin typeface="3270SemiNarrow NF" pitchFamily="49" charset="0"/>
+              <a:ea typeface="3270SemiNarrow NF" pitchFamily="49" charset="0"/>
+            </a:endParaRPr>
+          </a:p>
         </p:txBody>
       </p:sp>
     </p:spTree>
@@ -40025,7 +40220,13 @@
       </p:sp>
       <p:sp>
         <p:nvSpPr>
-          <p:cNvPr id="9" name="Rounded Rectangle 8"/>
+          <p:cNvPr id="8" name="Rounded Rectangle 9">
+            <a:extLst>
+              <a:ext uri="{FF2B5EF4-FFF2-40B4-BE49-F238E27FC236}">
+                <a16:creationId xmlns:a16="http://schemas.microsoft.com/office/drawing/2014/main" id="{E2B93951-7B9E-4B5A-925D-B97DB1F2B6C7}"/>
+              </a:ext>
+            </a:extLst>
+          </p:cNvPr>
           <p:cNvSpPr/>
           <p:nvPr/>
         </p:nvSpPr>
@@ -40069,27 +40270,33 @@
           <a:lstStyle/>
           <a:p>
             <a:r>
-              <a:rPr lang="en-US" sz="2800" dirty="0">
-                <a:solidFill>
-                  <a:schemeClr val="tx1"/>
-                </a:solidFill>
-                <a:latin typeface="3270SemiNarrow NF" pitchFamily="49" charset="0"/>
-                <a:ea typeface="3270SemiNarrow NF" pitchFamily="49" charset="0"/>
-              </a:rPr>
-              <a:t>always ask yourself</a:t>
-            </a:r>
-          </a:p>
-          <a:p>
-            <a:r>
-              <a:rPr lang="en-US" sz="2800" dirty="0">
-                <a:solidFill>
-                  <a:schemeClr val="tx1"/>
-                </a:solidFill>
-                <a:latin typeface="3270SemiNarrow NF" pitchFamily="49" charset="0"/>
-                <a:ea typeface="3270SemiNarrow NF" pitchFamily="49" charset="0"/>
-              </a:rPr>
-              <a:t>how will others use my code?</a:t>
-            </a:r>
+              <a:rPr lang="en-US" sz="3200" dirty="0">
+                <a:latin typeface="3270SemiNarrow NF" pitchFamily="49" charset="0"/>
+                <a:ea typeface="3270SemiNarrow NF" pitchFamily="49" charset="0"/>
+              </a:rPr>
+              <a:t>Build everything with another user's experience in mind.</a:t>
+            </a:r>
+          </a:p>
+          <a:p>
+            <a:endParaRPr lang="en-US" sz="2000" dirty="0">
+              <a:latin typeface="3270SemiNarrow NF" pitchFamily="49" charset="0"/>
+              <a:ea typeface="3270SemiNarrow NF" pitchFamily="49" charset="0"/>
+            </a:endParaRPr>
+          </a:p>
+          <a:p>
+            <a:endParaRPr lang="en-US" sz="3200" dirty="0">
+              <a:solidFill>
+                <a:schemeClr val="tx1"/>
+              </a:solidFill>
+              <a:latin typeface="3270SemiNarrow NF" pitchFamily="49" charset="0"/>
+              <a:ea typeface="3270SemiNarrow NF" pitchFamily="49" charset="0"/>
+            </a:endParaRPr>
+          </a:p>
+          <a:p>
+            <a:endParaRPr lang="en-US" sz="3200" dirty="0">
+              <a:latin typeface="3270SemiNarrow NF" pitchFamily="49" charset="0"/>
+              <a:ea typeface="3270SemiNarrow NF" pitchFamily="49" charset="0"/>
+            </a:endParaRPr>
           </a:p>
         </p:txBody>
       </p:sp>
@@ -40593,63 +40800,7 @@
                 <a:latin typeface="3270SemiNarrow NF" pitchFamily="49" charset="0"/>
                 <a:ea typeface="3270SemiNarrow NF" pitchFamily="49" charset="0"/>
               </a:rPr>
-              <a:t>how can </a:t>
-            </a:r>
-            <a:r>
-              <a:rPr lang="en-US" sz="2800" dirty="0" err="1">
-                <a:solidFill>
-                  <a:schemeClr val="tx1"/>
-                </a:solidFill>
-                <a:latin typeface="3270SemiNarrow NF" pitchFamily="49" charset="0"/>
-                <a:ea typeface="3270SemiNarrow NF" pitchFamily="49" charset="0"/>
-              </a:rPr>
-              <a:t>i</a:t>
-            </a:r>
-            <a:r>
-              <a:rPr lang="en-US" sz="2800" dirty="0">
-                <a:solidFill>
-                  <a:schemeClr val="tx1"/>
-                </a:solidFill>
-                <a:latin typeface="3270SemiNarrow NF" pitchFamily="49" charset="0"/>
-                <a:ea typeface="3270SemiNarrow NF" pitchFamily="49" charset="0"/>
-              </a:rPr>
-              <a:t> make</a:t>
-            </a:r>
-          </a:p>
-          <a:p>
-            <a:r>
-              <a:rPr lang="en-US" sz="2800" dirty="0">
-                <a:solidFill>
-                  <a:schemeClr val="tx1"/>
-                </a:solidFill>
-                <a:latin typeface="3270SemiNarrow NF" pitchFamily="49" charset="0"/>
-                <a:ea typeface="3270SemiNarrow NF" pitchFamily="49" charset="0"/>
-              </a:rPr>
-              <a:t>their experience</a:t>
-            </a:r>
-          </a:p>
-          <a:p>
-            <a:r>
-              <a:rPr lang="en-US" sz="2800" dirty="0">
-                <a:solidFill>
-                  <a:schemeClr val="tx1"/>
-                </a:solidFill>
-                <a:latin typeface="3270SemiNarrow NF" pitchFamily="49" charset="0"/>
-                <a:ea typeface="3270SemiNarrow NF" pitchFamily="49" charset="0"/>
-              </a:rPr>
-              <a:t>with my code</a:t>
-            </a:r>
-          </a:p>
-          <a:p>
-            <a:r>
-              <a:rPr lang="en-US" sz="2800" dirty="0">
-                <a:solidFill>
-                  <a:schemeClr val="tx1"/>
-                </a:solidFill>
-                <a:latin typeface="3270SemiNarrow NF" pitchFamily="49" charset="0"/>
-                <a:ea typeface="3270SemiNarrow NF" pitchFamily="49" charset="0"/>
-              </a:rPr>
-              <a:t>better?</a:t>
+              <a:t>No code is an island…</a:t>
             </a:r>
           </a:p>
         </p:txBody>
@@ -40840,8 +40991,8 @@
         </p:nvSpPr>
         <p:spPr>
           <a:xfrm>
-            <a:off x="-70078" y="-81902"/>
-            <a:ext cx="9214077" cy="461665"/>
+            <a:off x="152400" y="1962150"/>
+            <a:ext cx="8839200" cy="707886"/>
           </a:xfrm>
           <a:prstGeom prst="rect">
             <a:avLst/>
@@ -40854,135 +41005,60 @@
           </a:bodyPr>
           <a:lstStyle/>
           <a:p>
-            <a:pPr marL="344488" lvl="1" indent="-344488">
+            <a:pPr marL="0" lvl="1" algn="ctr">
               <a:tabLst>
                 <a:tab pos="344488" algn="l"/>
               </a:tabLst>
             </a:pPr>
             <a:r>
-              <a:rPr lang="en-US" sz="2400" b="1" dirty="0">
+              <a:rPr lang="en-US" sz="4000" b="1" dirty="0">
                 <a:solidFill>
-                  <a:schemeClr val="tx1">
-                    <a:lumMod val="95000"/>
-                  </a:schemeClr>
+                  <a:schemeClr val="bg1"/>
                 </a:solidFill>
                 <a:latin typeface="Lucida Sans Typewriter" pitchFamily="49" charset="0"/>
               </a:rPr>
-              <a:t>8/usable/code is a user interface</a:t>
+              <a:t>documentation</a:t>
             </a:r>
           </a:p>
         </p:txBody>
       </p:sp>
       <p:sp>
         <p:nvSpPr>
-          <p:cNvPr id="9" name="Rounded Rectangle 8"/>
-          <p:cNvSpPr/>
+          <p:cNvPr id="8" name="TextBox 7"/>
+          <p:cNvSpPr txBox="1"/>
           <p:nvPr/>
         </p:nvSpPr>
         <p:spPr>
           <a:xfrm>
-            <a:off x="152400" y="438150"/>
-            <a:ext cx="6934200" cy="4191000"/>
+            <a:off x="152400" y="133350"/>
+            <a:ext cx="8839200" cy="1323439"/>
           </a:xfrm>
-          <a:prstGeom prst="roundRect">
-            <a:avLst>
-              <a:gd name="adj" fmla="val 1676"/>
-            </a:avLst>
+          <a:prstGeom prst="rect">
+            <a:avLst/>
           </a:prstGeom>
-          <a:solidFill>
-            <a:schemeClr val="bg1"/>
-          </a:solidFill>
-          <a:ln w="12700">
-            <a:solidFill>
-              <a:srgbClr val="00B0F0"/>
-            </a:solidFill>
-          </a:ln>
+          <a:noFill/>
         </p:spPr>
-        <p:style>
-          <a:lnRef idx="2">
-            <a:schemeClr val="accent1">
-              <a:shade val="50000"/>
-            </a:schemeClr>
-          </a:lnRef>
-          <a:fillRef idx="1">
-            <a:schemeClr val="accent1"/>
-          </a:fillRef>
-          <a:effectRef idx="0">
-            <a:schemeClr val="accent1"/>
-          </a:effectRef>
-          <a:fontRef idx="minor">
-            <a:schemeClr val="lt1"/>
-          </a:fontRef>
-        </p:style>
         <p:txBody>
-          <a:bodyPr rtlCol="0" anchor="t"/>
+          <a:bodyPr wrap="square" rtlCol="0">
+            <a:spAutoFit/>
+          </a:bodyPr>
           <a:lstStyle/>
           <a:p>
-            <a:r>
-              <a:rPr lang="en-US" sz="2800" dirty="0">
+            <a:pPr marL="0" lvl="1">
+              <a:tabLst>
+                <a:tab pos="344488" algn="l"/>
+              </a:tabLst>
+            </a:pPr>
+            <a:r>
+              <a:rPr lang="en-US" sz="8000" b="1" dirty="0">
                 <a:solidFill>
-                  <a:schemeClr val="tx1"/>
+                  <a:schemeClr val="tx1">
+                    <a:lumMod val="75000"/>
+                  </a:schemeClr>
                 </a:solidFill>
-                <a:latin typeface="3270SemiNarrow NF" pitchFamily="49" charset="0"/>
-                <a:ea typeface="3270SemiNarrow NF" pitchFamily="49" charset="0"/>
-              </a:rPr>
-              <a:t>how can </a:t>
-            </a:r>
-            <a:r>
-              <a:rPr lang="en-US" sz="2800" dirty="0" err="1">
-                <a:solidFill>
-                  <a:schemeClr val="tx1"/>
-                </a:solidFill>
-                <a:latin typeface="3270SemiNarrow NF" pitchFamily="49" charset="0"/>
-                <a:ea typeface="3270SemiNarrow NF" pitchFamily="49" charset="0"/>
-              </a:rPr>
-              <a:t>i</a:t>
-            </a:r>
-            <a:r>
-              <a:rPr lang="en-US" sz="2800" dirty="0">
-                <a:solidFill>
-                  <a:schemeClr val="tx1"/>
-                </a:solidFill>
-                <a:latin typeface="3270SemiNarrow NF" pitchFamily="49" charset="0"/>
-                <a:ea typeface="3270SemiNarrow NF" pitchFamily="49" charset="0"/>
-              </a:rPr>
-              <a:t> make</a:t>
-            </a:r>
-          </a:p>
-          <a:p>
-            <a:r>
-              <a:rPr lang="en-US" sz="2800" dirty="0">
-                <a:solidFill>
-                  <a:schemeClr val="tx1"/>
-                </a:solidFill>
-                <a:latin typeface="3270SemiNarrow NF" pitchFamily="49" charset="0"/>
-                <a:ea typeface="3270SemiNarrow NF" pitchFamily="49" charset="0"/>
-              </a:rPr>
-              <a:t>their experience</a:t>
-            </a:r>
-          </a:p>
-          <a:p>
-            <a:r>
-              <a:rPr lang="en-US" sz="2800" dirty="0">
-                <a:solidFill>
-                  <a:schemeClr val="tx1"/>
-                </a:solidFill>
-                <a:latin typeface="3270SemiNarrow NF" pitchFamily="49" charset="0"/>
-                <a:ea typeface="3270SemiNarrow NF" pitchFamily="49" charset="0"/>
-              </a:rPr>
-              <a:t>with my code</a:t>
-            </a:r>
-          </a:p>
-          <a:p>
-            <a:r>
-              <a:rPr lang="en-US" sz="2800" dirty="0">
-                <a:solidFill>
-                  <a:schemeClr val="tx1"/>
-                </a:solidFill>
-                <a:latin typeface="3270SemiNarrow NF" pitchFamily="49" charset="0"/>
-                <a:ea typeface="3270SemiNarrow NF" pitchFamily="49" charset="0"/>
-              </a:rPr>
-              <a:t>better?</a:t>
+                <a:latin typeface="Lucida Sans Typewriter" pitchFamily="49" charset="0"/>
+              </a:rPr>
+              <a:t>usable</a:t>
             </a:r>
           </a:p>
         </p:txBody>
@@ -41201,14 +41277,14 @@
                 </a:solidFill>
                 <a:latin typeface="Lucida Sans Typewriter" pitchFamily="49" charset="0"/>
               </a:rPr>
-              <a:t>8/usable/code is a user interface</a:t>
+              <a:t>9/usable/documentation</a:t>
             </a:r>
           </a:p>
         </p:txBody>
       </p:sp>
       <p:sp>
         <p:nvSpPr>
-          <p:cNvPr id="9" name="Rounded Rectangle 8"/>
+          <p:cNvPr id="8" name="Rounded Rectangle 7"/>
           <p:cNvSpPr/>
           <p:nvPr/>
         </p:nvSpPr>
@@ -41259,7 +41335,50 @@
                 <a:latin typeface="3270SemiNarrow NF" pitchFamily="49" charset="0"/>
                 <a:ea typeface="3270SemiNarrow NF" pitchFamily="49" charset="0"/>
               </a:rPr>
-              <a:t>No code is an island…</a:t>
+              <a:t>/*</a:t>
+            </a:r>
+          </a:p>
+          <a:p>
+            <a:endParaRPr lang="en-US" sz="2800" dirty="0">
+              <a:solidFill>
+                <a:schemeClr val="tx1"/>
+              </a:solidFill>
+              <a:latin typeface="3270SemiNarrow NF" pitchFamily="49" charset="0"/>
+              <a:ea typeface="3270SemiNarrow NF" pitchFamily="49" charset="0"/>
+            </a:endParaRPr>
+          </a:p>
+          <a:p>
+            <a:pPr lvl="1"/>
+            <a:r>
+              <a:rPr lang="en-US" sz="2800" dirty="0">
+                <a:solidFill>
+                  <a:schemeClr val="tx1"/>
+                </a:solidFill>
+                <a:latin typeface="3270SemiNarrow NF" pitchFamily="49" charset="0"/>
+                <a:ea typeface="3270SemiNarrow NF" pitchFamily="49" charset="0"/>
+              </a:rPr>
+              <a:t>If you fail to communicate how to run your code, you might as well not have written the code at all.</a:t>
+            </a:r>
+          </a:p>
+          <a:p>
+            <a:endParaRPr lang="en-US" sz="2800" dirty="0">
+              <a:solidFill>
+                <a:schemeClr val="tx1"/>
+              </a:solidFill>
+              <a:latin typeface="3270SemiNarrow NF" pitchFamily="49" charset="0"/>
+              <a:ea typeface="3270SemiNarrow NF" pitchFamily="49" charset="0"/>
+            </a:endParaRPr>
+          </a:p>
+          <a:p>
+            <a:r>
+              <a:rPr lang="en-US" sz="2800" dirty="0">
+                <a:solidFill>
+                  <a:schemeClr val="tx1"/>
+                </a:solidFill>
+                <a:latin typeface="3270SemiNarrow NF" pitchFamily="49" charset="0"/>
+                <a:ea typeface="3270SemiNarrow NF" pitchFamily="49" charset="0"/>
+              </a:rPr>
+              <a:t>*/</a:t>
             </a:r>
           </a:p>
         </p:txBody>
@@ -41450,8 +41569,8 @@
         </p:nvSpPr>
         <p:spPr>
           <a:xfrm>
-            <a:off x="152400" y="1962150"/>
-            <a:ext cx="8839200" cy="707886"/>
+            <a:off x="-70078" y="-81902"/>
+            <a:ext cx="9214077" cy="461665"/>
           </a:xfrm>
           <a:prstGeom prst="rect">
             <a:avLst/>
@@ -41464,60 +41583,173 @@
           </a:bodyPr>
           <a:lstStyle/>
           <a:p>
-            <a:pPr marL="0" lvl="1" algn="ctr">
+            <a:pPr marL="344488" lvl="1" indent="-344488">
               <a:tabLst>
                 <a:tab pos="344488" algn="l"/>
               </a:tabLst>
             </a:pPr>
             <a:r>
-              <a:rPr lang="en-US" sz="4000" b="1" dirty="0">
+              <a:rPr lang="en-US" sz="2400" b="1" dirty="0">
                 <a:solidFill>
-                  <a:schemeClr val="bg1"/>
+                  <a:schemeClr val="tx1">
+                    <a:lumMod val="95000"/>
+                  </a:schemeClr>
                 </a:solidFill>
                 <a:latin typeface="Lucida Sans Typewriter" pitchFamily="49" charset="0"/>
               </a:rPr>
-              <a:t>documentation</a:t>
+              <a:t>9/usable/documentation</a:t>
             </a:r>
           </a:p>
         </p:txBody>
       </p:sp>
       <p:sp>
         <p:nvSpPr>
-          <p:cNvPr id="8" name="TextBox 7"/>
-          <p:cNvSpPr txBox="1"/>
+          <p:cNvPr id="8" name="Rounded Rectangle 7"/>
+          <p:cNvSpPr/>
           <p:nvPr/>
         </p:nvSpPr>
         <p:spPr>
           <a:xfrm>
-            <a:off x="152400" y="133350"/>
-            <a:ext cx="8839200" cy="1323439"/>
+            <a:off x="152400" y="438150"/>
+            <a:ext cx="6934200" cy="4191000"/>
           </a:xfrm>
-          <a:prstGeom prst="rect">
-            <a:avLst/>
+          <a:prstGeom prst="roundRect">
+            <a:avLst>
+              <a:gd name="adj" fmla="val 1676"/>
+            </a:avLst>
           </a:prstGeom>
-          <a:noFill/>
+          <a:solidFill>
+            <a:schemeClr val="bg1"/>
+          </a:solidFill>
+          <a:ln w="12700">
+            <a:solidFill>
+              <a:srgbClr val="00B0F0"/>
+            </a:solidFill>
+          </a:ln>
         </p:spPr>
+        <p:style>
+          <a:lnRef idx="2">
+            <a:schemeClr val="accent1">
+              <a:shade val="50000"/>
+            </a:schemeClr>
+          </a:lnRef>
+          <a:fillRef idx="1">
+            <a:schemeClr val="accent1"/>
+          </a:fillRef>
+          <a:effectRef idx="0">
+            <a:schemeClr val="accent1"/>
+          </a:effectRef>
+          <a:fontRef idx="minor">
+            <a:schemeClr val="lt1"/>
+          </a:fontRef>
+        </p:style>
         <p:txBody>
-          <a:bodyPr wrap="square" rtlCol="0">
-            <a:spAutoFit/>
-          </a:bodyPr>
+          <a:bodyPr rtlCol="0" anchor="t"/>
           <a:lstStyle/>
           <a:p>
-            <a:pPr marL="0" lvl="1">
-              <a:tabLst>
-                <a:tab pos="344488" algn="l"/>
-              </a:tabLst>
-            </a:pPr>
-            <a:r>
-              <a:rPr lang="en-US" sz="8000" b="1" dirty="0">
+            <a:r>
+              <a:rPr lang="en-US" sz="2800" dirty="0">
                 <a:solidFill>
-                  <a:schemeClr val="tx1">
-                    <a:lumMod val="75000"/>
-                  </a:schemeClr>
+                  <a:schemeClr val="tx1"/>
                 </a:solidFill>
-                <a:latin typeface="Lucida Sans Typewriter" pitchFamily="49" charset="0"/>
-              </a:rPr>
-              <a:t>usable</a:t>
+                <a:latin typeface="3270SemiNarrow NF" pitchFamily="49" charset="0"/>
+                <a:ea typeface="3270SemiNarrow NF" pitchFamily="49" charset="0"/>
+              </a:rPr>
+              <a:t>// this is a comment</a:t>
+            </a:r>
+          </a:p>
+          <a:p>
+            <a:r>
+              <a:rPr lang="en-US" sz="2800" dirty="0">
+                <a:solidFill>
+                  <a:schemeClr val="tx1"/>
+                </a:solidFill>
+                <a:latin typeface="3270SemiNarrow NF" pitchFamily="49" charset="0"/>
+                <a:ea typeface="3270SemiNarrow NF" pitchFamily="49" charset="0"/>
+              </a:rPr>
+              <a:t>// use it to describe logic.</a:t>
+            </a:r>
+          </a:p>
+          <a:p>
+            <a:endParaRPr lang="en-US" sz="2800" dirty="0">
+              <a:solidFill>
+                <a:schemeClr val="tx1"/>
+              </a:solidFill>
+              <a:latin typeface="3270SemiNarrow NF" pitchFamily="49" charset="0"/>
+              <a:ea typeface="3270SemiNarrow NF" pitchFamily="49" charset="0"/>
+            </a:endParaRPr>
+          </a:p>
+          <a:p>
+            <a:r>
+              <a:rPr lang="en-US" sz="2800" dirty="0">
+                <a:solidFill>
+                  <a:schemeClr val="tx1"/>
+                </a:solidFill>
+                <a:latin typeface="3270SemiNarrow NF" pitchFamily="49" charset="0"/>
+                <a:ea typeface="3270SemiNarrow NF" pitchFamily="49" charset="0"/>
+              </a:rPr>
+              <a:t>/*</a:t>
+            </a:r>
+          </a:p>
+          <a:p>
+            <a:pPr lvl="1"/>
+            <a:r>
+              <a:rPr lang="en-US" sz="2800" dirty="0">
+                <a:solidFill>
+                  <a:schemeClr val="tx1"/>
+                </a:solidFill>
+                <a:latin typeface="3270SemiNarrow NF" pitchFamily="49" charset="0"/>
+                <a:ea typeface="3270SemiNarrow NF" pitchFamily="49" charset="0"/>
+              </a:rPr>
+              <a:t>This is documentation.</a:t>
+            </a:r>
+          </a:p>
+          <a:p>
+            <a:pPr lvl="1"/>
+            <a:endParaRPr lang="en-US" sz="2800" dirty="0">
+              <a:solidFill>
+                <a:schemeClr val="tx1"/>
+              </a:solidFill>
+              <a:latin typeface="3270SemiNarrow NF" pitchFamily="49" charset="0"/>
+              <a:ea typeface="3270SemiNarrow NF" pitchFamily="49" charset="0"/>
+            </a:endParaRPr>
+          </a:p>
+          <a:p>
+            <a:pPr lvl="1"/>
+            <a:r>
+              <a:rPr lang="en-US" sz="2800" dirty="0">
+                <a:solidFill>
+                  <a:schemeClr val="tx1"/>
+                </a:solidFill>
+                <a:latin typeface="3270SemiNarrow NF" pitchFamily="49" charset="0"/>
+                <a:ea typeface="3270SemiNarrow NF" pitchFamily="49" charset="0"/>
+              </a:rPr>
+              <a:t>Use it to tell a user</a:t>
+            </a:r>
+          </a:p>
+          <a:p>
+            <a:pPr lvl="1"/>
+            <a:r>
+              <a:rPr lang="en-US" sz="2800" dirty="0">
+                <a:solidFill>
+                  <a:schemeClr val="tx1"/>
+                </a:solidFill>
+                <a:latin typeface="3270SemiNarrow NF" pitchFamily="49" charset="0"/>
+                <a:ea typeface="3270SemiNarrow NF" pitchFamily="49" charset="0"/>
+              </a:rPr>
+              <a:t>how to use your code.</a:t>
+            </a:r>
+          </a:p>
+          <a:p>
+            <a:r>
+              <a:rPr lang="en-US" sz="2800" dirty="0">
+                <a:solidFill>
+                  <a:schemeClr val="tx1"/>
+                </a:solidFill>
+                <a:latin typeface="3270SemiNarrow NF" pitchFamily="49" charset="0"/>
+                <a:ea typeface="3270SemiNarrow NF" pitchFamily="49" charset="0"/>
+              </a:rPr>
+              <a:t>*/</a:t>
             </a:r>
           </a:p>
         </p:txBody>
@@ -41787,57 +42019,200 @@
           <a:lstStyle/>
           <a:p>
             <a:r>
-              <a:rPr lang="en-US" sz="2800" dirty="0">
+              <a:rPr lang="en-US" sz="1600" dirty="0">
+                <a:solidFill>
+                  <a:srgbClr val="FFFF00"/>
+                </a:solidFill>
+                <a:latin typeface="3270SemiNarrow NF" pitchFamily="49" charset="0"/>
+                <a:ea typeface="3270SemiNarrow NF" pitchFamily="49" charset="0"/>
+              </a:rPr>
+              <a:t>/**</a:t>
+            </a:r>
+          </a:p>
+          <a:p>
+            <a:r>
+              <a:rPr lang="en-US" sz="1600" dirty="0">
+                <a:solidFill>
+                  <a:srgbClr val="FFFF00"/>
+                </a:solidFill>
+                <a:latin typeface="3270SemiNarrow NF" pitchFamily="49" charset="0"/>
+                <a:ea typeface="3270SemiNarrow NF" pitchFamily="49" charset="0"/>
+              </a:rPr>
+              <a:t> * Move the wizard selection to the "first" section.</a:t>
+            </a:r>
+          </a:p>
+          <a:p>
+            <a:r>
+              <a:rPr lang="en-US" sz="1600" dirty="0">
+                <a:solidFill>
+                  <a:srgbClr val="FFFF00"/>
+                </a:solidFill>
+                <a:latin typeface="3270SemiNarrow NF" pitchFamily="49" charset="0"/>
+                <a:ea typeface="3270SemiNarrow NF" pitchFamily="49" charset="0"/>
+              </a:rPr>
+              <a:t> *</a:t>
+            </a:r>
+          </a:p>
+          <a:p>
+            <a:r>
+              <a:rPr lang="en-US" sz="1600" dirty="0">
+                <a:solidFill>
+                  <a:srgbClr val="FFFF00"/>
+                </a:solidFill>
+                <a:latin typeface="3270SemiNarrow NF" pitchFamily="49" charset="0"/>
+                <a:ea typeface="3270SemiNarrow NF" pitchFamily="49" charset="0"/>
+              </a:rPr>
+              <a:t> * @return {void}</a:t>
+            </a:r>
+          </a:p>
+          <a:p>
+            <a:r>
+              <a:rPr lang="en-US" sz="1600" dirty="0">
+                <a:solidFill>
+                  <a:srgbClr val="FFFF00"/>
+                </a:solidFill>
+                <a:latin typeface="3270SemiNarrow NF" pitchFamily="49" charset="0"/>
+                <a:ea typeface="3270SemiNarrow NF" pitchFamily="49" charset="0"/>
+              </a:rPr>
+              <a:t> */ </a:t>
+            </a:r>
+          </a:p>
+          <a:p>
+            <a:r>
+              <a:rPr lang="en-US" sz="1600" dirty="0" err="1">
                 <a:solidFill>
                   <a:schemeClr val="tx1"/>
                 </a:solidFill>
                 <a:latin typeface="3270SemiNarrow NF" pitchFamily="49" charset="0"/>
                 <a:ea typeface="3270SemiNarrow NF" pitchFamily="49" charset="0"/>
               </a:rPr>
-              <a:t>/*</a:t>
-            </a:r>
-          </a:p>
-          <a:p>
-            <a:endParaRPr lang="en-US" sz="2800" dirty="0">
-              <a:solidFill>
-                <a:schemeClr val="tx1"/>
-              </a:solidFill>
-              <a:latin typeface="3270SemiNarrow NF" pitchFamily="49" charset="0"/>
-              <a:ea typeface="3270SemiNarrow NF" pitchFamily="49" charset="0"/>
-            </a:endParaRPr>
-          </a:p>
-          <a:p>
-            <a:pPr lvl="1"/>
-            <a:r>
-              <a:rPr lang="en-US" sz="2800" dirty="0">
+              <a:t>selectFirst</a:t>
+            </a:r>
+            <a:r>
+              <a:rPr lang="en-US" sz="1600" dirty="0">
                 <a:solidFill>
                   <a:schemeClr val="tx1"/>
                 </a:solidFill>
                 <a:latin typeface="3270SemiNarrow NF" pitchFamily="49" charset="0"/>
                 <a:ea typeface="3270SemiNarrow NF" pitchFamily="49" charset="0"/>
               </a:rPr>
-              <a:t>If you fail to communicate how to run your code, you might as well not have written the code at all.</a:t>
-            </a:r>
-          </a:p>
-          <a:p>
-            <a:endParaRPr lang="en-US" sz="2800" dirty="0">
-              <a:solidFill>
-                <a:schemeClr val="tx1"/>
-              </a:solidFill>
-              <a:latin typeface="3270SemiNarrow NF" pitchFamily="49" charset="0"/>
-              <a:ea typeface="3270SemiNarrow NF" pitchFamily="49" charset="0"/>
-            </a:endParaRPr>
-          </a:p>
-          <a:p>
-            <a:r>
-              <a:rPr lang="en-US" sz="2800" dirty="0">
+              <a:t>() { </a:t>
+            </a:r>
+          </a:p>
+          <a:p>
+            <a:r>
+              <a:rPr lang="en-US" sz="1600" dirty="0">
                 <a:solidFill>
                   <a:schemeClr val="tx1"/>
                 </a:solidFill>
                 <a:latin typeface="3270SemiNarrow NF" pitchFamily="49" charset="0"/>
                 <a:ea typeface="3270SemiNarrow NF" pitchFamily="49" charset="0"/>
               </a:rPr>
-              <a:t>*/</a:t>
+              <a:t>  const first = </a:t>
+            </a:r>
+            <a:r>
+              <a:rPr lang="en-US" sz="1600" dirty="0" err="1">
+                <a:solidFill>
+                  <a:schemeClr val="tx1"/>
+                </a:solidFill>
+                <a:latin typeface="3270SemiNarrow NF" pitchFamily="49" charset="0"/>
+                <a:ea typeface="3270SemiNarrow NF" pitchFamily="49" charset="0"/>
+              </a:rPr>
+              <a:t>this.sections.find</a:t>
+            </a:r>
+            <a:r>
+              <a:rPr lang="en-US" sz="1600" dirty="0">
+                <a:solidFill>
+                  <a:schemeClr val="tx1"/>
+                </a:solidFill>
+                <a:latin typeface="3270SemiNarrow NF" pitchFamily="49" charset="0"/>
+                <a:ea typeface="3270SemiNarrow NF" pitchFamily="49" charset="0"/>
+              </a:rPr>
+              <a:t>(section =&gt; </a:t>
+            </a:r>
+            <a:r>
+              <a:rPr lang="en-US" sz="1600" dirty="0" err="1">
+                <a:solidFill>
+                  <a:schemeClr val="tx1"/>
+                </a:solidFill>
+                <a:latin typeface="3270SemiNarrow NF" pitchFamily="49" charset="0"/>
+                <a:ea typeface="3270SemiNarrow NF" pitchFamily="49" charset="0"/>
+              </a:rPr>
+              <a:t>section.startHere</a:t>
+            </a:r>
+            <a:r>
+              <a:rPr lang="en-US" sz="1600" dirty="0">
+                <a:solidFill>
+                  <a:schemeClr val="tx1"/>
+                </a:solidFill>
+                <a:latin typeface="3270SemiNarrow NF" pitchFamily="49" charset="0"/>
+                <a:ea typeface="3270SemiNarrow NF" pitchFamily="49" charset="0"/>
+              </a:rPr>
+              <a:t>);</a:t>
+            </a:r>
+          </a:p>
+          <a:p>
+            <a:r>
+              <a:rPr lang="en-US" sz="1600" dirty="0">
+                <a:solidFill>
+                  <a:schemeClr val="tx1"/>
+                </a:solidFill>
+                <a:latin typeface="3270SemiNarrow NF" pitchFamily="49" charset="0"/>
+                <a:ea typeface="3270SemiNarrow NF" pitchFamily="49" charset="0"/>
+              </a:rPr>
+              <a:t>  </a:t>
+            </a:r>
+            <a:r>
+              <a:rPr lang="en-US" sz="1600" dirty="0" err="1">
+                <a:solidFill>
+                  <a:schemeClr val="tx1"/>
+                </a:solidFill>
+                <a:latin typeface="3270SemiNarrow NF" pitchFamily="49" charset="0"/>
+                <a:ea typeface="3270SemiNarrow NF" pitchFamily="49" charset="0"/>
+              </a:rPr>
+              <a:t>this.select</a:t>
+            </a:r>
+            <a:r>
+              <a:rPr lang="en-US" sz="1600" dirty="0">
+                <a:solidFill>
+                  <a:schemeClr val="tx1"/>
+                </a:solidFill>
+                <a:latin typeface="3270SemiNarrow NF" pitchFamily="49" charset="0"/>
+                <a:ea typeface="3270SemiNarrow NF" pitchFamily="49" charset="0"/>
+              </a:rPr>
+              <a:t>(first || </a:t>
+            </a:r>
+            <a:r>
+              <a:rPr lang="en-US" sz="1600" dirty="0" err="1">
+                <a:solidFill>
+                  <a:schemeClr val="tx1"/>
+                </a:solidFill>
+                <a:latin typeface="3270SemiNarrow NF" pitchFamily="49" charset="0"/>
+                <a:ea typeface="3270SemiNarrow NF" pitchFamily="49" charset="0"/>
+              </a:rPr>
+              <a:t>this.sections</a:t>
+            </a:r>
+            <a:r>
+              <a:rPr lang="en-US" sz="1600" dirty="0">
+                <a:solidFill>
+                  <a:schemeClr val="tx1"/>
+                </a:solidFill>
+                <a:latin typeface="3270SemiNarrow NF" pitchFamily="49" charset="0"/>
+                <a:ea typeface="3270SemiNarrow NF" pitchFamily="49" charset="0"/>
+              </a:rPr>
+              <a:t>[0] || null); </a:t>
+            </a:r>
+          </a:p>
+          <a:p>
+            <a:r>
+              <a:rPr lang="en-US" sz="1600" dirty="0">
+                <a:solidFill>
+                  <a:schemeClr val="tx1"/>
+                </a:solidFill>
+                <a:latin typeface="3270SemiNarrow NF" pitchFamily="49" charset="0"/>
+                <a:ea typeface="3270SemiNarrow NF" pitchFamily="49" charset="0"/>
+              </a:rPr>
+              <a:t>}</a:t>
             </a:r>
           </a:p>
         </p:txBody>
@@ -42063,7 +42438,13 @@
       </p:sp>
       <p:sp>
         <p:nvSpPr>
-          <p:cNvPr id="8" name="Rounded Rectangle 7"/>
+          <p:cNvPr id="9" name="Rounded Rectangle 7">
+            <a:extLst>
+              <a:ext uri="{FF2B5EF4-FFF2-40B4-BE49-F238E27FC236}">
+                <a16:creationId xmlns:a16="http://schemas.microsoft.com/office/drawing/2014/main" id="{1916F1E3-B97C-48D3-A8EB-CE972ACFB8DA}"/>
+              </a:ext>
+            </a:extLst>
+          </p:cNvPr>
           <p:cNvSpPr/>
           <p:nvPr/>
         </p:nvSpPr>
@@ -42107,108 +42488,188 @@
           <a:lstStyle/>
           <a:p>
             <a:r>
-              <a:rPr lang="en-US" sz="2800" dirty="0">
+              <a:rPr lang="en-US" sz="1600" dirty="0">
+                <a:solidFill>
+                  <a:srgbClr val="FFFF00"/>
+                </a:solidFill>
+                <a:latin typeface="3270SemiNarrow NF" pitchFamily="49" charset="0"/>
+                <a:ea typeface="3270SemiNarrow NF" pitchFamily="49" charset="0"/>
+              </a:rPr>
+              <a:t>/**</a:t>
+            </a:r>
+          </a:p>
+          <a:p>
+            <a:r>
+              <a:rPr lang="en-US" sz="1600" dirty="0">
+                <a:solidFill>
+                  <a:srgbClr val="FFFF00"/>
+                </a:solidFill>
+                <a:latin typeface="3270SemiNarrow NF" pitchFamily="49" charset="0"/>
+                <a:ea typeface="3270SemiNarrow NF" pitchFamily="49" charset="0"/>
+              </a:rPr>
+              <a:t> * Move the wizard selection to the "first" section.</a:t>
+            </a:r>
+          </a:p>
+          <a:p>
+            <a:r>
+              <a:rPr lang="en-US" sz="1600" dirty="0">
+                <a:solidFill>
+                  <a:srgbClr val="FFFF00"/>
+                </a:solidFill>
+                <a:latin typeface="3270SemiNarrow NF" pitchFamily="49" charset="0"/>
+                <a:ea typeface="3270SemiNarrow NF" pitchFamily="49" charset="0"/>
+              </a:rPr>
+              <a:t> * @return {void}</a:t>
+            </a:r>
+          </a:p>
+          <a:p>
+            <a:r>
+              <a:rPr lang="en-US" sz="1600" dirty="0">
+                <a:solidFill>
+                  <a:srgbClr val="FFFF00"/>
+                </a:solidFill>
+                <a:latin typeface="3270SemiNarrow NF" pitchFamily="49" charset="0"/>
+                <a:ea typeface="3270SemiNarrow NF" pitchFamily="49" charset="0"/>
+              </a:rPr>
+              <a:t> */ </a:t>
+            </a:r>
+          </a:p>
+          <a:p>
+            <a:r>
+              <a:rPr lang="en-US" sz="1600" dirty="0" err="1">
                 <a:solidFill>
                   <a:schemeClr val="tx1"/>
                 </a:solidFill>
                 <a:latin typeface="3270SemiNarrow NF" pitchFamily="49" charset="0"/>
                 <a:ea typeface="3270SemiNarrow NF" pitchFamily="49" charset="0"/>
               </a:rPr>
-              <a:t>// this is a comment</a:t>
-            </a:r>
-          </a:p>
-          <a:p>
-            <a:r>
-              <a:rPr lang="en-US" sz="2800" dirty="0">
+              <a:t>selectFirst</a:t>
+            </a:r>
+            <a:r>
+              <a:rPr lang="en-US" sz="1600" dirty="0">
                 <a:solidFill>
                   <a:schemeClr val="tx1"/>
                 </a:solidFill>
                 <a:latin typeface="3270SemiNarrow NF" pitchFamily="49" charset="0"/>
                 <a:ea typeface="3270SemiNarrow NF" pitchFamily="49" charset="0"/>
               </a:rPr>
-              <a:t>// use it to describe logic.</a:t>
-            </a:r>
-          </a:p>
-          <a:p>
-            <a:endParaRPr lang="en-US" sz="2800" dirty="0">
-              <a:solidFill>
-                <a:schemeClr val="tx1"/>
-              </a:solidFill>
-              <a:latin typeface="3270SemiNarrow NF" pitchFamily="49" charset="0"/>
-              <a:ea typeface="3270SemiNarrow NF" pitchFamily="49" charset="0"/>
-            </a:endParaRPr>
-          </a:p>
-          <a:p>
-            <a:r>
-              <a:rPr lang="en-US" sz="2800" dirty="0">
+              <a:t>() { </a:t>
+            </a:r>
+          </a:p>
+          <a:p>
+            <a:r>
+              <a:rPr lang="en-US" sz="1600" dirty="0">
                 <a:solidFill>
                   <a:schemeClr val="tx1"/>
                 </a:solidFill>
                 <a:latin typeface="3270SemiNarrow NF" pitchFamily="49" charset="0"/>
                 <a:ea typeface="3270SemiNarrow NF" pitchFamily="49" charset="0"/>
               </a:rPr>
-              <a:t>/*</a:t>
-            </a:r>
-          </a:p>
-          <a:p>
-            <a:pPr lvl="1"/>
-            <a:r>
-              <a:rPr lang="en-US" sz="2800" dirty="0">
+              <a:t>  const first = </a:t>
+            </a:r>
+            <a:r>
+              <a:rPr lang="en-US" sz="1600" dirty="0" err="1">
                 <a:solidFill>
                   <a:schemeClr val="tx1"/>
                 </a:solidFill>
                 <a:latin typeface="3270SemiNarrow NF" pitchFamily="49" charset="0"/>
                 <a:ea typeface="3270SemiNarrow NF" pitchFamily="49" charset="0"/>
               </a:rPr>
-              <a:t>This is documentation.</a:t>
-            </a:r>
-          </a:p>
-          <a:p>
-            <a:pPr lvl="1"/>
-            <a:endParaRPr lang="en-US" sz="2800" dirty="0">
-              <a:solidFill>
-                <a:schemeClr val="tx1"/>
-              </a:solidFill>
-              <a:latin typeface="3270SemiNarrow NF" pitchFamily="49" charset="0"/>
-              <a:ea typeface="3270SemiNarrow NF" pitchFamily="49" charset="0"/>
-            </a:endParaRPr>
-          </a:p>
-          <a:p>
-            <a:pPr lvl="1"/>
-            <a:r>
-              <a:rPr lang="en-US" sz="2800" dirty="0">
+              <a:t>this.sections.find</a:t>
+            </a:r>
+            <a:r>
+              <a:rPr lang="en-US" sz="1600" dirty="0">
                 <a:solidFill>
                   <a:schemeClr val="tx1"/>
                 </a:solidFill>
                 <a:latin typeface="3270SemiNarrow NF" pitchFamily="49" charset="0"/>
                 <a:ea typeface="3270SemiNarrow NF" pitchFamily="49" charset="0"/>
               </a:rPr>
-              <a:t>Use it to tell a user</a:t>
-            </a:r>
-          </a:p>
-          <a:p>
-            <a:pPr lvl="1"/>
-            <a:r>
-              <a:rPr lang="en-US" sz="2800" dirty="0">
+              <a:t>(section =&gt; </a:t>
+            </a:r>
+            <a:r>
+              <a:rPr lang="en-US" sz="1600" dirty="0" err="1">
                 <a:solidFill>
                   <a:schemeClr val="tx1"/>
                 </a:solidFill>
                 <a:latin typeface="3270SemiNarrow NF" pitchFamily="49" charset="0"/>
                 <a:ea typeface="3270SemiNarrow NF" pitchFamily="49" charset="0"/>
               </a:rPr>
-              <a:t>how to use your code.</a:t>
-            </a:r>
-          </a:p>
-          <a:p>
-            <a:r>
-              <a:rPr lang="en-US" sz="2800" dirty="0">
+              <a:t>section.startHere</a:t>
+            </a:r>
+            <a:r>
+              <a:rPr lang="en-US" sz="1600" dirty="0">
                 <a:solidFill>
                   <a:schemeClr val="tx1"/>
                 </a:solidFill>
                 <a:latin typeface="3270SemiNarrow NF" pitchFamily="49" charset="0"/>
                 <a:ea typeface="3270SemiNarrow NF" pitchFamily="49" charset="0"/>
               </a:rPr>
-              <a:t>*/</a:t>
+              <a:t>);</a:t>
+            </a:r>
+          </a:p>
+          <a:p>
+            <a:r>
+              <a:rPr lang="en-US" sz="1600" dirty="0">
+                <a:solidFill>
+                  <a:schemeClr val="tx1"/>
+                </a:solidFill>
+                <a:latin typeface="3270SemiNarrow NF" pitchFamily="49" charset="0"/>
+                <a:ea typeface="3270SemiNarrow NF" pitchFamily="49" charset="0"/>
+              </a:rPr>
+              <a:t>  </a:t>
+            </a:r>
+            <a:r>
+              <a:rPr lang="en-US" sz="1600" dirty="0" err="1">
+                <a:solidFill>
+                  <a:schemeClr val="tx1"/>
+                </a:solidFill>
+                <a:latin typeface="3270SemiNarrow NF" pitchFamily="49" charset="0"/>
+                <a:ea typeface="3270SemiNarrow NF" pitchFamily="49" charset="0"/>
+              </a:rPr>
+              <a:t>this.select</a:t>
+            </a:r>
+            <a:r>
+              <a:rPr lang="en-US" sz="1600" dirty="0">
+                <a:solidFill>
+                  <a:schemeClr val="tx1"/>
+                </a:solidFill>
+                <a:latin typeface="3270SemiNarrow NF" pitchFamily="49" charset="0"/>
+                <a:ea typeface="3270SemiNarrow NF" pitchFamily="49" charset="0"/>
+              </a:rPr>
+              <a:t>(first || </a:t>
+            </a:r>
+            <a:r>
+              <a:rPr lang="en-US" sz="1600" dirty="0" err="1">
+                <a:solidFill>
+                  <a:schemeClr val="tx1"/>
+                </a:solidFill>
+                <a:latin typeface="3270SemiNarrow NF" pitchFamily="49" charset="0"/>
+                <a:ea typeface="3270SemiNarrow NF" pitchFamily="49" charset="0"/>
+              </a:rPr>
+              <a:t>this.sections</a:t>
+            </a:r>
+            <a:r>
+              <a:rPr lang="en-US" sz="1600" dirty="0">
+                <a:solidFill>
+                  <a:schemeClr val="tx1"/>
+                </a:solidFill>
+                <a:latin typeface="3270SemiNarrow NF" pitchFamily="49" charset="0"/>
+                <a:ea typeface="3270SemiNarrow NF" pitchFamily="49" charset="0"/>
+              </a:rPr>
+              <a:t>[0] || null); </a:t>
+            </a:r>
+          </a:p>
+          <a:p>
+            <a:r>
+              <a:rPr lang="en-US" sz="1600" dirty="0">
+                <a:solidFill>
+                  <a:schemeClr val="tx1"/>
+                </a:solidFill>
+                <a:latin typeface="3270SemiNarrow NF" pitchFamily="49" charset="0"/>
+                <a:ea typeface="3270SemiNarrow NF" pitchFamily="49" charset="0"/>
+              </a:rPr>
+              <a:t>}</a:t>
             </a:r>
           </a:p>
         </p:txBody>
@@ -42509,18 +42970,6 @@
                 <a:latin typeface="3270SemiNarrow NF" pitchFamily="49" charset="0"/>
                 <a:ea typeface="3270SemiNarrow NF" pitchFamily="49" charset="0"/>
               </a:rPr>
-              <a:t> *</a:t>
-            </a:r>
-          </a:p>
-          <a:p>
-            <a:r>
-              <a:rPr lang="en-US" sz="1600" dirty="0">
-                <a:solidFill>
-                  <a:srgbClr val="FFFF00"/>
-                </a:solidFill>
-                <a:latin typeface="3270SemiNarrow NF" pitchFamily="49" charset="0"/>
-                <a:ea typeface="3270SemiNarrow NF" pitchFamily="49" charset="0"/>
-              </a:rPr>
               <a:t> * @return {void}</a:t>
             </a:r>
           </a:p>
@@ -42685,914 +43134,6 @@
 </file>
 
 <file path=ppt/slides/slide77.xml><?xml version="1.0" encoding="utf-8"?>
-<p:sld xmlns:a="http://schemas.openxmlformats.org/drawingml/2006/main" xmlns:r="http://schemas.openxmlformats.org/officeDocument/2006/relationships" xmlns:p="http://schemas.openxmlformats.org/presentationml/2006/main">
-  <p:cSld>
-    <p:spTree>
-      <p:nvGrpSpPr>
-        <p:cNvPr id="1" name=""/>
-        <p:cNvGrpSpPr/>
-        <p:nvPr/>
-      </p:nvGrpSpPr>
-      <p:grpSpPr>
-        <a:xfrm>
-          <a:off x="0" y="0"/>
-          <a:ext cx="0" cy="0"/>
-          <a:chOff x="0" y="0"/>
-          <a:chExt cx="0" cy="0"/>
-        </a:xfrm>
-      </p:grpSpPr>
-      <p:grpSp>
-        <p:nvGrpSpPr>
-          <p:cNvPr id="2" name="Group 6"/>
-          <p:cNvGrpSpPr/>
-          <p:nvPr/>
-        </p:nvGrpSpPr>
-        <p:grpSpPr>
-          <a:xfrm>
-            <a:off x="0" y="4800600"/>
-            <a:ext cx="9144000" cy="382600"/>
-            <a:chOff x="0" y="4800600"/>
-            <a:chExt cx="9144000" cy="382600"/>
-          </a:xfrm>
-        </p:grpSpPr>
-        <p:sp>
-          <p:nvSpPr>
-            <p:cNvPr id="6" name="Rectangle 5"/>
-            <p:cNvSpPr/>
-            <p:nvPr/>
-          </p:nvSpPr>
-          <p:spPr>
-            <a:xfrm>
-              <a:off x="0" y="4800600"/>
-              <a:ext cx="9144000" cy="342900"/>
-            </a:xfrm>
-            <a:prstGeom prst="rect">
-              <a:avLst/>
-            </a:prstGeom>
-            <a:gradFill flip="none" rotWithShape="1">
-              <a:gsLst>
-                <a:gs pos="0">
-                  <a:srgbClr val="266E9E"/>
-                </a:gs>
-                <a:gs pos="50000">
-                  <a:srgbClr val="266E9E">
-                    <a:alpha val="32000"/>
-                  </a:srgbClr>
-                </a:gs>
-                <a:gs pos="100000">
-                  <a:srgbClr val="266E9E"/>
-                </a:gs>
-              </a:gsLst>
-              <a:path path="circle">
-                <a:fillToRect t="100000" r="100000"/>
-              </a:path>
-              <a:tileRect l="-100000" b="-100000"/>
-            </a:gradFill>
-            <a:ln>
-              <a:noFill/>
-            </a:ln>
-          </p:spPr>
-          <p:style>
-            <a:lnRef idx="2">
-              <a:schemeClr val="accent1">
-                <a:shade val="50000"/>
-              </a:schemeClr>
-            </a:lnRef>
-            <a:fillRef idx="1">
-              <a:schemeClr val="accent1"/>
-            </a:fillRef>
-            <a:effectRef idx="0">
-              <a:schemeClr val="accent1"/>
-            </a:effectRef>
-            <a:fontRef idx="minor">
-              <a:schemeClr val="lt1"/>
-            </a:fontRef>
-          </p:style>
-          <p:txBody>
-            <a:bodyPr rtlCol="0" anchor="ctr"/>
-            <a:lstStyle/>
-            <a:p>
-              <a:pPr algn="ctr"/>
-              <a:endParaRPr lang="en-US" dirty="0">
-                <a:solidFill>
-                  <a:schemeClr val="accent3">
-                    <a:lumMod val="75000"/>
-                  </a:schemeClr>
-                </a:solidFill>
-                <a:latin typeface="Lucida Sans Typewriter" pitchFamily="49" charset="0"/>
-              </a:endParaRPr>
-            </a:p>
-          </p:txBody>
-        </p:sp>
-        <p:sp>
-          <p:nvSpPr>
-            <p:cNvPr id="4" name="TextBox 3"/>
-            <p:cNvSpPr txBox="1"/>
-            <p:nvPr/>
-          </p:nvSpPr>
-          <p:spPr>
-            <a:xfrm>
-              <a:off x="0" y="4805117"/>
-              <a:ext cx="6858000" cy="369332"/>
-            </a:xfrm>
-            <a:prstGeom prst="rect">
-              <a:avLst/>
-            </a:prstGeom>
-            <a:noFill/>
-          </p:spPr>
-          <p:txBody>
-            <a:bodyPr wrap="square" rtlCol="0">
-              <a:spAutoFit/>
-            </a:bodyPr>
-            <a:lstStyle/>
-            <a:p>
-              <a:r>
-                <a:rPr lang="en-US" b="1" dirty="0">
-                  <a:solidFill>
-                    <a:schemeClr val="bg1"/>
-                  </a:solidFill>
-                  <a:latin typeface="Lucida Sans Typewriter" pitchFamily="49" charset="0"/>
-                </a:rPr>
-                <a:t>writing code for other people</a:t>
-              </a:r>
-            </a:p>
-          </p:txBody>
-        </p:sp>
-        <p:sp>
-          <p:nvSpPr>
-            <p:cNvPr id="5" name="TextBox 4"/>
-            <p:cNvSpPr txBox="1"/>
-            <p:nvPr/>
-          </p:nvSpPr>
-          <p:spPr>
-            <a:xfrm>
-              <a:off x="6858000" y="4813868"/>
-              <a:ext cx="2286000" cy="369332"/>
-            </a:xfrm>
-            <a:prstGeom prst="rect">
-              <a:avLst/>
-            </a:prstGeom>
-            <a:noFill/>
-          </p:spPr>
-          <p:txBody>
-            <a:bodyPr wrap="square" rtlCol="0">
-              <a:spAutoFit/>
-            </a:bodyPr>
-            <a:lstStyle/>
-            <a:p>
-              <a:pPr algn="r"/>
-              <a:r>
-                <a:rPr lang="en-US" b="1" dirty="0" err="1">
-                  <a:latin typeface="Lucida Sans Typewriter" pitchFamily="49" charset="0"/>
-                </a:rPr>
-                <a:t>whitebox</a:t>
-              </a:r>
-              <a:endParaRPr lang="en-US" b="1" dirty="0">
-                <a:latin typeface="Lucida Sans Typewriter" pitchFamily="49" charset="0"/>
-              </a:endParaRPr>
-            </a:p>
-          </p:txBody>
-        </p:sp>
-      </p:grpSp>
-      <p:sp>
-        <p:nvSpPr>
-          <p:cNvPr id="7" name="TextBox 6"/>
-          <p:cNvSpPr txBox="1"/>
-          <p:nvPr/>
-        </p:nvSpPr>
-        <p:spPr>
-          <a:xfrm>
-            <a:off x="-70078" y="-81902"/>
-            <a:ext cx="9214077" cy="461665"/>
-          </a:xfrm>
-          <a:prstGeom prst="rect">
-            <a:avLst/>
-          </a:prstGeom>
-          <a:noFill/>
-        </p:spPr>
-        <p:txBody>
-          <a:bodyPr wrap="square" rtlCol="0">
-            <a:spAutoFit/>
-          </a:bodyPr>
-          <a:lstStyle/>
-          <a:p>
-            <a:pPr marL="344488" lvl="1" indent="-344488">
-              <a:tabLst>
-                <a:tab pos="344488" algn="l"/>
-              </a:tabLst>
-            </a:pPr>
-            <a:r>
-              <a:rPr lang="en-US" sz="2400" b="1" dirty="0">
-                <a:solidFill>
-                  <a:schemeClr val="tx1">
-                    <a:lumMod val="95000"/>
-                  </a:schemeClr>
-                </a:solidFill>
-                <a:latin typeface="Lucida Sans Typewriter" pitchFamily="49" charset="0"/>
-              </a:rPr>
-              <a:t>9/usable/documentation</a:t>
-            </a:r>
-          </a:p>
-        </p:txBody>
-      </p:sp>
-      <p:sp>
-        <p:nvSpPr>
-          <p:cNvPr id="9" name="Rounded Rectangle 7">
-            <a:extLst>
-              <a:ext uri="{FF2B5EF4-FFF2-40B4-BE49-F238E27FC236}">
-                <a16:creationId xmlns:a16="http://schemas.microsoft.com/office/drawing/2014/main" id="{1916F1E3-B97C-48D3-A8EB-CE972ACFB8DA}"/>
-              </a:ext>
-            </a:extLst>
-          </p:cNvPr>
-          <p:cNvSpPr/>
-          <p:nvPr/>
-        </p:nvSpPr>
-        <p:spPr>
-          <a:xfrm>
-            <a:off x="152400" y="438150"/>
-            <a:ext cx="6934200" cy="4191000"/>
-          </a:xfrm>
-          <a:prstGeom prst="roundRect">
-            <a:avLst>
-              <a:gd name="adj" fmla="val 1676"/>
-            </a:avLst>
-          </a:prstGeom>
-          <a:solidFill>
-            <a:schemeClr val="bg1"/>
-          </a:solidFill>
-          <a:ln w="12700">
-            <a:solidFill>
-              <a:srgbClr val="00B0F0"/>
-            </a:solidFill>
-          </a:ln>
-        </p:spPr>
-        <p:style>
-          <a:lnRef idx="2">
-            <a:schemeClr val="accent1">
-              <a:shade val="50000"/>
-            </a:schemeClr>
-          </a:lnRef>
-          <a:fillRef idx="1">
-            <a:schemeClr val="accent1"/>
-          </a:fillRef>
-          <a:effectRef idx="0">
-            <a:schemeClr val="accent1"/>
-          </a:effectRef>
-          <a:fontRef idx="minor">
-            <a:schemeClr val="lt1"/>
-          </a:fontRef>
-        </p:style>
-        <p:txBody>
-          <a:bodyPr rtlCol="0" anchor="t"/>
-          <a:lstStyle/>
-          <a:p>
-            <a:r>
-              <a:rPr lang="en-US" sz="1600" dirty="0">
-                <a:solidFill>
-                  <a:srgbClr val="FFFF00"/>
-                </a:solidFill>
-                <a:latin typeface="3270SemiNarrow NF" pitchFamily="49" charset="0"/>
-                <a:ea typeface="3270SemiNarrow NF" pitchFamily="49" charset="0"/>
-              </a:rPr>
-              <a:t>/**</a:t>
-            </a:r>
-          </a:p>
-          <a:p>
-            <a:r>
-              <a:rPr lang="en-US" sz="1600" dirty="0">
-                <a:solidFill>
-                  <a:srgbClr val="FFFF00"/>
-                </a:solidFill>
-                <a:latin typeface="3270SemiNarrow NF" pitchFamily="49" charset="0"/>
-                <a:ea typeface="3270SemiNarrow NF" pitchFamily="49" charset="0"/>
-              </a:rPr>
-              <a:t> * Move the wizard selection to the "first" section.</a:t>
-            </a:r>
-          </a:p>
-          <a:p>
-            <a:r>
-              <a:rPr lang="en-US" sz="1600" dirty="0">
-                <a:solidFill>
-                  <a:srgbClr val="FFFF00"/>
-                </a:solidFill>
-                <a:latin typeface="3270SemiNarrow NF" pitchFamily="49" charset="0"/>
-                <a:ea typeface="3270SemiNarrow NF" pitchFamily="49" charset="0"/>
-              </a:rPr>
-              <a:t> * @return {void}</a:t>
-            </a:r>
-          </a:p>
-          <a:p>
-            <a:r>
-              <a:rPr lang="en-US" sz="1600" dirty="0">
-                <a:solidFill>
-                  <a:srgbClr val="FFFF00"/>
-                </a:solidFill>
-                <a:latin typeface="3270SemiNarrow NF" pitchFamily="49" charset="0"/>
-                <a:ea typeface="3270SemiNarrow NF" pitchFamily="49" charset="0"/>
-              </a:rPr>
-              <a:t> */ </a:t>
-            </a:r>
-          </a:p>
-          <a:p>
-            <a:r>
-              <a:rPr lang="en-US" sz="1600" dirty="0" err="1">
-                <a:solidFill>
-                  <a:schemeClr val="tx1"/>
-                </a:solidFill>
-                <a:latin typeface="3270SemiNarrow NF" pitchFamily="49" charset="0"/>
-                <a:ea typeface="3270SemiNarrow NF" pitchFamily="49" charset="0"/>
-              </a:rPr>
-              <a:t>selectFirst</a:t>
-            </a:r>
-            <a:r>
-              <a:rPr lang="en-US" sz="1600" dirty="0">
-                <a:solidFill>
-                  <a:schemeClr val="tx1"/>
-                </a:solidFill>
-                <a:latin typeface="3270SemiNarrow NF" pitchFamily="49" charset="0"/>
-                <a:ea typeface="3270SemiNarrow NF" pitchFamily="49" charset="0"/>
-              </a:rPr>
-              <a:t>() { </a:t>
-            </a:r>
-          </a:p>
-          <a:p>
-            <a:r>
-              <a:rPr lang="en-US" sz="1600" dirty="0">
-                <a:solidFill>
-                  <a:schemeClr val="tx1"/>
-                </a:solidFill>
-                <a:latin typeface="3270SemiNarrow NF" pitchFamily="49" charset="0"/>
-                <a:ea typeface="3270SemiNarrow NF" pitchFamily="49" charset="0"/>
-              </a:rPr>
-              <a:t>  const first = </a:t>
-            </a:r>
-            <a:r>
-              <a:rPr lang="en-US" sz="1600" dirty="0" err="1">
-                <a:solidFill>
-                  <a:schemeClr val="tx1"/>
-                </a:solidFill>
-                <a:latin typeface="3270SemiNarrow NF" pitchFamily="49" charset="0"/>
-                <a:ea typeface="3270SemiNarrow NF" pitchFamily="49" charset="0"/>
-              </a:rPr>
-              <a:t>this.sections.find</a:t>
-            </a:r>
-            <a:r>
-              <a:rPr lang="en-US" sz="1600" dirty="0">
-                <a:solidFill>
-                  <a:schemeClr val="tx1"/>
-                </a:solidFill>
-                <a:latin typeface="3270SemiNarrow NF" pitchFamily="49" charset="0"/>
-                <a:ea typeface="3270SemiNarrow NF" pitchFamily="49" charset="0"/>
-              </a:rPr>
-              <a:t>(section =&gt; </a:t>
-            </a:r>
-            <a:r>
-              <a:rPr lang="en-US" sz="1600" dirty="0" err="1">
-                <a:solidFill>
-                  <a:schemeClr val="tx1"/>
-                </a:solidFill>
-                <a:latin typeface="3270SemiNarrow NF" pitchFamily="49" charset="0"/>
-                <a:ea typeface="3270SemiNarrow NF" pitchFamily="49" charset="0"/>
-              </a:rPr>
-              <a:t>section.startHere</a:t>
-            </a:r>
-            <a:r>
-              <a:rPr lang="en-US" sz="1600" dirty="0">
-                <a:solidFill>
-                  <a:schemeClr val="tx1"/>
-                </a:solidFill>
-                <a:latin typeface="3270SemiNarrow NF" pitchFamily="49" charset="0"/>
-                <a:ea typeface="3270SemiNarrow NF" pitchFamily="49" charset="0"/>
-              </a:rPr>
-              <a:t>);</a:t>
-            </a:r>
-          </a:p>
-          <a:p>
-            <a:r>
-              <a:rPr lang="en-US" sz="1600" dirty="0">
-                <a:solidFill>
-                  <a:schemeClr val="tx1"/>
-                </a:solidFill>
-                <a:latin typeface="3270SemiNarrow NF" pitchFamily="49" charset="0"/>
-                <a:ea typeface="3270SemiNarrow NF" pitchFamily="49" charset="0"/>
-              </a:rPr>
-              <a:t>  </a:t>
-            </a:r>
-            <a:r>
-              <a:rPr lang="en-US" sz="1600" dirty="0" err="1">
-                <a:solidFill>
-                  <a:schemeClr val="tx1"/>
-                </a:solidFill>
-                <a:latin typeface="3270SemiNarrow NF" pitchFamily="49" charset="0"/>
-                <a:ea typeface="3270SemiNarrow NF" pitchFamily="49" charset="0"/>
-              </a:rPr>
-              <a:t>this.select</a:t>
-            </a:r>
-            <a:r>
-              <a:rPr lang="en-US" sz="1600" dirty="0">
-                <a:solidFill>
-                  <a:schemeClr val="tx1"/>
-                </a:solidFill>
-                <a:latin typeface="3270SemiNarrow NF" pitchFamily="49" charset="0"/>
-                <a:ea typeface="3270SemiNarrow NF" pitchFamily="49" charset="0"/>
-              </a:rPr>
-              <a:t>(first || </a:t>
-            </a:r>
-            <a:r>
-              <a:rPr lang="en-US" sz="1600" dirty="0" err="1">
-                <a:solidFill>
-                  <a:schemeClr val="tx1"/>
-                </a:solidFill>
-                <a:latin typeface="3270SemiNarrow NF" pitchFamily="49" charset="0"/>
-                <a:ea typeface="3270SemiNarrow NF" pitchFamily="49" charset="0"/>
-              </a:rPr>
-              <a:t>this.sections</a:t>
-            </a:r>
-            <a:r>
-              <a:rPr lang="en-US" sz="1600" dirty="0">
-                <a:solidFill>
-                  <a:schemeClr val="tx1"/>
-                </a:solidFill>
-                <a:latin typeface="3270SemiNarrow NF" pitchFamily="49" charset="0"/>
-                <a:ea typeface="3270SemiNarrow NF" pitchFamily="49" charset="0"/>
-              </a:rPr>
-              <a:t>[0] || null); </a:t>
-            </a:r>
-          </a:p>
-          <a:p>
-            <a:r>
-              <a:rPr lang="en-US" sz="1600" dirty="0">
-                <a:solidFill>
-                  <a:schemeClr val="tx1"/>
-                </a:solidFill>
-                <a:latin typeface="3270SemiNarrow NF" pitchFamily="49" charset="0"/>
-                <a:ea typeface="3270SemiNarrow NF" pitchFamily="49" charset="0"/>
-              </a:rPr>
-              <a:t>}</a:t>
-            </a:r>
-          </a:p>
-        </p:txBody>
-      </p:sp>
-    </p:spTree>
-  </p:cSld>
-  <p:clrMapOvr>
-    <a:masterClrMapping/>
-  </p:clrMapOvr>
-</p:sld>
-</file>
-
-<file path=ppt/slides/slide78.xml><?xml version="1.0" encoding="utf-8"?>
-<p:sld xmlns:a="http://schemas.openxmlformats.org/drawingml/2006/main" xmlns:r="http://schemas.openxmlformats.org/officeDocument/2006/relationships" xmlns:p="http://schemas.openxmlformats.org/presentationml/2006/main">
-  <p:cSld>
-    <p:spTree>
-      <p:nvGrpSpPr>
-        <p:cNvPr id="1" name=""/>
-        <p:cNvGrpSpPr/>
-        <p:nvPr/>
-      </p:nvGrpSpPr>
-      <p:grpSpPr>
-        <a:xfrm>
-          <a:off x="0" y="0"/>
-          <a:ext cx="0" cy="0"/>
-          <a:chOff x="0" y="0"/>
-          <a:chExt cx="0" cy="0"/>
-        </a:xfrm>
-      </p:grpSpPr>
-      <p:grpSp>
-        <p:nvGrpSpPr>
-          <p:cNvPr id="2" name="Group 6"/>
-          <p:cNvGrpSpPr/>
-          <p:nvPr/>
-        </p:nvGrpSpPr>
-        <p:grpSpPr>
-          <a:xfrm>
-            <a:off x="0" y="4800600"/>
-            <a:ext cx="9144000" cy="382600"/>
-            <a:chOff x="0" y="4800600"/>
-            <a:chExt cx="9144000" cy="382600"/>
-          </a:xfrm>
-        </p:grpSpPr>
-        <p:sp>
-          <p:nvSpPr>
-            <p:cNvPr id="6" name="Rectangle 5"/>
-            <p:cNvSpPr/>
-            <p:nvPr/>
-          </p:nvSpPr>
-          <p:spPr>
-            <a:xfrm>
-              <a:off x="0" y="4800600"/>
-              <a:ext cx="9144000" cy="342900"/>
-            </a:xfrm>
-            <a:prstGeom prst="rect">
-              <a:avLst/>
-            </a:prstGeom>
-            <a:gradFill flip="none" rotWithShape="1">
-              <a:gsLst>
-                <a:gs pos="0">
-                  <a:srgbClr val="266E9E"/>
-                </a:gs>
-                <a:gs pos="50000">
-                  <a:srgbClr val="266E9E">
-                    <a:alpha val="32000"/>
-                  </a:srgbClr>
-                </a:gs>
-                <a:gs pos="100000">
-                  <a:srgbClr val="266E9E"/>
-                </a:gs>
-              </a:gsLst>
-              <a:path path="circle">
-                <a:fillToRect t="100000" r="100000"/>
-              </a:path>
-              <a:tileRect l="-100000" b="-100000"/>
-            </a:gradFill>
-            <a:ln>
-              <a:noFill/>
-            </a:ln>
-          </p:spPr>
-          <p:style>
-            <a:lnRef idx="2">
-              <a:schemeClr val="accent1">
-                <a:shade val="50000"/>
-              </a:schemeClr>
-            </a:lnRef>
-            <a:fillRef idx="1">
-              <a:schemeClr val="accent1"/>
-            </a:fillRef>
-            <a:effectRef idx="0">
-              <a:schemeClr val="accent1"/>
-            </a:effectRef>
-            <a:fontRef idx="minor">
-              <a:schemeClr val="lt1"/>
-            </a:fontRef>
-          </p:style>
-          <p:txBody>
-            <a:bodyPr rtlCol="0" anchor="ctr"/>
-            <a:lstStyle/>
-            <a:p>
-              <a:pPr algn="ctr"/>
-              <a:endParaRPr lang="en-US" dirty="0">
-                <a:solidFill>
-                  <a:schemeClr val="accent3">
-                    <a:lumMod val="75000"/>
-                  </a:schemeClr>
-                </a:solidFill>
-                <a:latin typeface="Lucida Sans Typewriter" pitchFamily="49" charset="0"/>
-              </a:endParaRPr>
-            </a:p>
-          </p:txBody>
-        </p:sp>
-        <p:sp>
-          <p:nvSpPr>
-            <p:cNvPr id="4" name="TextBox 3"/>
-            <p:cNvSpPr txBox="1"/>
-            <p:nvPr/>
-          </p:nvSpPr>
-          <p:spPr>
-            <a:xfrm>
-              <a:off x="0" y="4805117"/>
-              <a:ext cx="6858000" cy="369332"/>
-            </a:xfrm>
-            <a:prstGeom prst="rect">
-              <a:avLst/>
-            </a:prstGeom>
-            <a:noFill/>
-          </p:spPr>
-          <p:txBody>
-            <a:bodyPr wrap="square" rtlCol="0">
-              <a:spAutoFit/>
-            </a:bodyPr>
-            <a:lstStyle/>
-            <a:p>
-              <a:r>
-                <a:rPr lang="en-US" b="1" dirty="0">
-                  <a:solidFill>
-                    <a:schemeClr val="bg1"/>
-                  </a:solidFill>
-                  <a:latin typeface="Lucida Sans Typewriter" pitchFamily="49" charset="0"/>
-                </a:rPr>
-                <a:t>writing code for other people</a:t>
-              </a:r>
-            </a:p>
-          </p:txBody>
-        </p:sp>
-        <p:sp>
-          <p:nvSpPr>
-            <p:cNvPr id="5" name="TextBox 4"/>
-            <p:cNvSpPr txBox="1"/>
-            <p:nvPr/>
-          </p:nvSpPr>
-          <p:spPr>
-            <a:xfrm>
-              <a:off x="6858000" y="4813868"/>
-              <a:ext cx="2286000" cy="369332"/>
-            </a:xfrm>
-            <a:prstGeom prst="rect">
-              <a:avLst/>
-            </a:prstGeom>
-            <a:noFill/>
-          </p:spPr>
-          <p:txBody>
-            <a:bodyPr wrap="square" rtlCol="0">
-              <a:spAutoFit/>
-            </a:bodyPr>
-            <a:lstStyle/>
-            <a:p>
-              <a:pPr algn="r"/>
-              <a:r>
-                <a:rPr lang="en-US" b="1" dirty="0" err="1">
-                  <a:latin typeface="Lucida Sans Typewriter" pitchFamily="49" charset="0"/>
-                </a:rPr>
-                <a:t>whitebox</a:t>
-              </a:r>
-              <a:endParaRPr lang="en-US" b="1" dirty="0">
-                <a:latin typeface="Lucida Sans Typewriter" pitchFamily="49" charset="0"/>
-              </a:endParaRPr>
-            </a:p>
-          </p:txBody>
-        </p:sp>
-      </p:grpSp>
-      <p:sp>
-        <p:nvSpPr>
-          <p:cNvPr id="7" name="TextBox 6"/>
-          <p:cNvSpPr txBox="1"/>
-          <p:nvPr/>
-        </p:nvSpPr>
-        <p:spPr>
-          <a:xfrm>
-            <a:off x="-70078" y="-81902"/>
-            <a:ext cx="9214077" cy="461665"/>
-          </a:xfrm>
-          <a:prstGeom prst="rect">
-            <a:avLst/>
-          </a:prstGeom>
-          <a:noFill/>
-        </p:spPr>
-        <p:txBody>
-          <a:bodyPr wrap="square" rtlCol="0">
-            <a:spAutoFit/>
-          </a:bodyPr>
-          <a:lstStyle/>
-          <a:p>
-            <a:pPr marL="344488" lvl="1" indent="-344488">
-              <a:tabLst>
-                <a:tab pos="344488" algn="l"/>
-              </a:tabLst>
-            </a:pPr>
-            <a:r>
-              <a:rPr lang="en-US" sz="2400" b="1" dirty="0">
-                <a:solidFill>
-                  <a:schemeClr val="tx1">
-                    <a:lumMod val="95000"/>
-                  </a:schemeClr>
-                </a:solidFill>
-                <a:latin typeface="Lucida Sans Typewriter" pitchFamily="49" charset="0"/>
-              </a:rPr>
-              <a:t>9/usable/documentation</a:t>
-            </a:r>
-          </a:p>
-        </p:txBody>
-      </p:sp>
-      <p:sp>
-        <p:nvSpPr>
-          <p:cNvPr id="8" name="Rounded Rectangle 7"/>
-          <p:cNvSpPr/>
-          <p:nvPr/>
-        </p:nvSpPr>
-        <p:spPr>
-          <a:xfrm>
-            <a:off x="152400" y="438150"/>
-            <a:ext cx="6934200" cy="4191000"/>
-          </a:xfrm>
-          <a:prstGeom prst="roundRect">
-            <a:avLst>
-              <a:gd name="adj" fmla="val 1676"/>
-            </a:avLst>
-          </a:prstGeom>
-          <a:solidFill>
-            <a:schemeClr val="bg1"/>
-          </a:solidFill>
-          <a:ln w="12700">
-            <a:solidFill>
-              <a:srgbClr val="00B0F0"/>
-            </a:solidFill>
-          </a:ln>
-        </p:spPr>
-        <p:style>
-          <a:lnRef idx="2">
-            <a:schemeClr val="accent1">
-              <a:shade val="50000"/>
-            </a:schemeClr>
-          </a:lnRef>
-          <a:fillRef idx="1">
-            <a:schemeClr val="accent1"/>
-          </a:fillRef>
-          <a:effectRef idx="0">
-            <a:schemeClr val="accent1"/>
-          </a:effectRef>
-          <a:fontRef idx="minor">
-            <a:schemeClr val="lt1"/>
-          </a:fontRef>
-        </p:style>
-        <p:txBody>
-          <a:bodyPr rtlCol="0" anchor="t"/>
-          <a:lstStyle/>
-          <a:p>
-            <a:r>
-              <a:rPr lang="en-US" sz="1600" dirty="0">
-                <a:solidFill>
-                  <a:srgbClr val="FFFF00"/>
-                </a:solidFill>
-                <a:latin typeface="3270SemiNarrow NF" pitchFamily="49" charset="0"/>
-                <a:ea typeface="3270SemiNarrow NF" pitchFamily="49" charset="0"/>
-              </a:rPr>
-              <a:t>/**</a:t>
-            </a:r>
-          </a:p>
-          <a:p>
-            <a:r>
-              <a:rPr lang="en-US" sz="1600" dirty="0">
-                <a:solidFill>
-                  <a:srgbClr val="FFFF00"/>
-                </a:solidFill>
-                <a:latin typeface="3270SemiNarrow NF" pitchFamily="49" charset="0"/>
-                <a:ea typeface="3270SemiNarrow NF" pitchFamily="49" charset="0"/>
-              </a:rPr>
-              <a:t> * Move the wizard selection to the "first" section.</a:t>
-            </a:r>
-          </a:p>
-          <a:p>
-            <a:r>
-              <a:rPr lang="en-US" sz="1600" dirty="0">
-                <a:solidFill>
-                  <a:srgbClr val="FFFF00"/>
-                </a:solidFill>
-                <a:latin typeface="3270SemiNarrow NF" pitchFamily="49" charset="0"/>
-                <a:ea typeface="3270SemiNarrow NF" pitchFamily="49" charset="0"/>
-              </a:rPr>
-              <a:t> * @return {void}</a:t>
-            </a:r>
-          </a:p>
-          <a:p>
-            <a:r>
-              <a:rPr lang="en-US" sz="1600" dirty="0">
-                <a:solidFill>
-                  <a:srgbClr val="FFFF00"/>
-                </a:solidFill>
-                <a:latin typeface="3270SemiNarrow NF" pitchFamily="49" charset="0"/>
-                <a:ea typeface="3270SemiNarrow NF" pitchFamily="49" charset="0"/>
-              </a:rPr>
-              <a:t> */ </a:t>
-            </a:r>
-          </a:p>
-          <a:p>
-            <a:r>
-              <a:rPr lang="en-US" sz="1600" dirty="0" err="1">
-                <a:solidFill>
-                  <a:schemeClr val="tx1"/>
-                </a:solidFill>
-                <a:latin typeface="3270SemiNarrow NF" pitchFamily="49" charset="0"/>
-                <a:ea typeface="3270SemiNarrow NF" pitchFamily="49" charset="0"/>
-              </a:rPr>
-              <a:t>selectFirst</a:t>
-            </a:r>
-            <a:r>
-              <a:rPr lang="en-US" sz="1600" dirty="0">
-                <a:solidFill>
-                  <a:schemeClr val="tx1"/>
-                </a:solidFill>
-                <a:latin typeface="3270SemiNarrow NF" pitchFamily="49" charset="0"/>
-                <a:ea typeface="3270SemiNarrow NF" pitchFamily="49" charset="0"/>
-              </a:rPr>
-              <a:t>() { </a:t>
-            </a:r>
-          </a:p>
-          <a:p>
-            <a:r>
-              <a:rPr lang="en-US" sz="1600" dirty="0">
-                <a:solidFill>
-                  <a:schemeClr val="tx1"/>
-                </a:solidFill>
-                <a:latin typeface="3270SemiNarrow NF" pitchFamily="49" charset="0"/>
-                <a:ea typeface="3270SemiNarrow NF" pitchFamily="49" charset="0"/>
-              </a:rPr>
-              <a:t>  const first = </a:t>
-            </a:r>
-            <a:r>
-              <a:rPr lang="en-US" sz="1600" dirty="0" err="1">
-                <a:solidFill>
-                  <a:schemeClr val="tx1"/>
-                </a:solidFill>
-                <a:latin typeface="3270SemiNarrow NF" pitchFamily="49" charset="0"/>
-                <a:ea typeface="3270SemiNarrow NF" pitchFamily="49" charset="0"/>
-              </a:rPr>
-              <a:t>this.sections.find</a:t>
-            </a:r>
-            <a:r>
-              <a:rPr lang="en-US" sz="1600" dirty="0">
-                <a:solidFill>
-                  <a:schemeClr val="tx1"/>
-                </a:solidFill>
-                <a:latin typeface="3270SemiNarrow NF" pitchFamily="49" charset="0"/>
-                <a:ea typeface="3270SemiNarrow NF" pitchFamily="49" charset="0"/>
-              </a:rPr>
-              <a:t>(section =&gt; </a:t>
-            </a:r>
-            <a:r>
-              <a:rPr lang="en-US" sz="1600" dirty="0" err="1">
-                <a:solidFill>
-                  <a:schemeClr val="tx1"/>
-                </a:solidFill>
-                <a:latin typeface="3270SemiNarrow NF" pitchFamily="49" charset="0"/>
-                <a:ea typeface="3270SemiNarrow NF" pitchFamily="49" charset="0"/>
-              </a:rPr>
-              <a:t>section.startHere</a:t>
-            </a:r>
-            <a:r>
-              <a:rPr lang="en-US" sz="1600" dirty="0">
-                <a:solidFill>
-                  <a:schemeClr val="tx1"/>
-                </a:solidFill>
-                <a:latin typeface="3270SemiNarrow NF" pitchFamily="49" charset="0"/>
-                <a:ea typeface="3270SemiNarrow NF" pitchFamily="49" charset="0"/>
-              </a:rPr>
-              <a:t>);</a:t>
-            </a:r>
-          </a:p>
-          <a:p>
-            <a:r>
-              <a:rPr lang="en-US" sz="1600" dirty="0">
-                <a:solidFill>
-                  <a:schemeClr val="tx1"/>
-                </a:solidFill>
-                <a:latin typeface="3270SemiNarrow NF" pitchFamily="49" charset="0"/>
-                <a:ea typeface="3270SemiNarrow NF" pitchFamily="49" charset="0"/>
-              </a:rPr>
-              <a:t>  </a:t>
-            </a:r>
-            <a:r>
-              <a:rPr lang="en-US" sz="1600" dirty="0" err="1">
-                <a:solidFill>
-                  <a:schemeClr val="tx1"/>
-                </a:solidFill>
-                <a:latin typeface="3270SemiNarrow NF" pitchFamily="49" charset="0"/>
-                <a:ea typeface="3270SemiNarrow NF" pitchFamily="49" charset="0"/>
-              </a:rPr>
-              <a:t>this.select</a:t>
-            </a:r>
-            <a:r>
-              <a:rPr lang="en-US" sz="1600" dirty="0">
-                <a:solidFill>
-                  <a:schemeClr val="tx1"/>
-                </a:solidFill>
-                <a:latin typeface="3270SemiNarrow NF" pitchFamily="49" charset="0"/>
-                <a:ea typeface="3270SemiNarrow NF" pitchFamily="49" charset="0"/>
-              </a:rPr>
-              <a:t>(first || </a:t>
-            </a:r>
-            <a:r>
-              <a:rPr lang="en-US" sz="1600" dirty="0" err="1">
-                <a:solidFill>
-                  <a:schemeClr val="tx1"/>
-                </a:solidFill>
-                <a:latin typeface="3270SemiNarrow NF" pitchFamily="49" charset="0"/>
-                <a:ea typeface="3270SemiNarrow NF" pitchFamily="49" charset="0"/>
-              </a:rPr>
-              <a:t>this.sections</a:t>
-            </a:r>
-            <a:r>
-              <a:rPr lang="en-US" sz="1600" dirty="0">
-                <a:solidFill>
-                  <a:schemeClr val="tx1"/>
-                </a:solidFill>
-                <a:latin typeface="3270SemiNarrow NF" pitchFamily="49" charset="0"/>
-                <a:ea typeface="3270SemiNarrow NF" pitchFamily="49" charset="0"/>
-              </a:rPr>
-              <a:t>[0] || null); </a:t>
-            </a:r>
-          </a:p>
-          <a:p>
-            <a:r>
-              <a:rPr lang="en-US" sz="1600" dirty="0">
-                <a:solidFill>
-                  <a:schemeClr val="tx1"/>
-                </a:solidFill>
-                <a:latin typeface="3270SemiNarrow NF" pitchFamily="49" charset="0"/>
-                <a:ea typeface="3270SemiNarrow NF" pitchFamily="49" charset="0"/>
-              </a:rPr>
-              <a:t>}</a:t>
-            </a:r>
-          </a:p>
-        </p:txBody>
-      </p:sp>
-    </p:spTree>
-  </p:cSld>
-  <p:clrMapOvr>
-    <a:masterClrMapping/>
-  </p:clrMapOvr>
-</p:sld>
-</file>
-
-<file path=ppt/slides/slide79.xml><?xml version="1.0" encoding="utf-8"?>
 <p:sld xmlns:a="http://schemas.openxmlformats.org/drawingml/2006/main" xmlns:r="http://schemas.openxmlformats.org/officeDocument/2006/relationships" xmlns:p="http://schemas.openxmlformats.org/presentationml/2006/main">
   <p:cSld>
     <p:spTree>
@@ -44190,315 +43731,7 @@
 </p:sld>
 </file>
 
-<file path=ppt/slides/slide8.xml><?xml version="1.0" encoding="utf-8"?>
-<p:sld xmlns:a="http://schemas.openxmlformats.org/drawingml/2006/main" xmlns:r="http://schemas.openxmlformats.org/officeDocument/2006/relationships" xmlns:p="http://schemas.openxmlformats.org/presentationml/2006/main">
-  <p:cSld>
-    <p:spTree>
-      <p:nvGrpSpPr>
-        <p:cNvPr id="1" name=""/>
-        <p:cNvGrpSpPr/>
-        <p:nvPr/>
-      </p:nvGrpSpPr>
-      <p:grpSpPr>
-        <a:xfrm>
-          <a:off x="0" y="0"/>
-          <a:ext cx="0" cy="0"/>
-          <a:chOff x="0" y="0"/>
-          <a:chExt cx="0" cy="0"/>
-        </a:xfrm>
-      </p:grpSpPr>
-      <p:grpSp>
-        <p:nvGrpSpPr>
-          <p:cNvPr id="2" name="Group 6"/>
-          <p:cNvGrpSpPr/>
-          <p:nvPr/>
-        </p:nvGrpSpPr>
-        <p:grpSpPr>
-          <a:xfrm>
-            <a:off x="0" y="4800600"/>
-            <a:ext cx="9144000" cy="382600"/>
-            <a:chOff x="0" y="4800600"/>
-            <a:chExt cx="9144000" cy="382600"/>
-          </a:xfrm>
-        </p:grpSpPr>
-        <p:sp>
-          <p:nvSpPr>
-            <p:cNvPr id="6" name="Rectangle 5"/>
-            <p:cNvSpPr/>
-            <p:nvPr/>
-          </p:nvSpPr>
-          <p:spPr>
-            <a:xfrm>
-              <a:off x="0" y="4800600"/>
-              <a:ext cx="9144000" cy="342900"/>
-            </a:xfrm>
-            <a:prstGeom prst="rect">
-              <a:avLst/>
-            </a:prstGeom>
-            <a:gradFill flip="none" rotWithShape="1">
-              <a:gsLst>
-                <a:gs pos="0">
-                  <a:srgbClr val="266E9E"/>
-                </a:gs>
-                <a:gs pos="50000">
-                  <a:srgbClr val="266E9E">
-                    <a:alpha val="32000"/>
-                  </a:srgbClr>
-                </a:gs>
-                <a:gs pos="100000">
-                  <a:srgbClr val="266E9E"/>
-                </a:gs>
-              </a:gsLst>
-              <a:path path="circle">
-                <a:fillToRect t="100000" r="100000"/>
-              </a:path>
-              <a:tileRect l="-100000" b="-100000"/>
-            </a:gradFill>
-            <a:ln>
-              <a:noFill/>
-            </a:ln>
-          </p:spPr>
-          <p:style>
-            <a:lnRef idx="2">
-              <a:schemeClr val="accent1">
-                <a:shade val="50000"/>
-              </a:schemeClr>
-            </a:lnRef>
-            <a:fillRef idx="1">
-              <a:schemeClr val="accent1"/>
-            </a:fillRef>
-            <a:effectRef idx="0">
-              <a:schemeClr val="accent1"/>
-            </a:effectRef>
-            <a:fontRef idx="minor">
-              <a:schemeClr val="lt1"/>
-            </a:fontRef>
-          </p:style>
-          <p:txBody>
-            <a:bodyPr rtlCol="0" anchor="ctr"/>
-            <a:lstStyle/>
-            <a:p>
-              <a:pPr algn="ctr"/>
-              <a:endParaRPr lang="en-US" dirty="0">
-                <a:solidFill>
-                  <a:schemeClr val="accent3">
-                    <a:lumMod val="75000"/>
-                  </a:schemeClr>
-                </a:solidFill>
-                <a:latin typeface="Lucida Sans Typewriter" pitchFamily="49" charset="0"/>
-              </a:endParaRPr>
-            </a:p>
-          </p:txBody>
-        </p:sp>
-        <p:sp>
-          <p:nvSpPr>
-            <p:cNvPr id="4" name="TextBox 3"/>
-            <p:cNvSpPr txBox="1"/>
-            <p:nvPr/>
-          </p:nvSpPr>
-          <p:spPr>
-            <a:xfrm>
-              <a:off x="0" y="4805117"/>
-              <a:ext cx="6858000" cy="369332"/>
-            </a:xfrm>
-            <a:prstGeom prst="rect">
-              <a:avLst/>
-            </a:prstGeom>
-            <a:noFill/>
-          </p:spPr>
-          <p:txBody>
-            <a:bodyPr wrap="square" rtlCol="0">
-              <a:spAutoFit/>
-            </a:bodyPr>
-            <a:lstStyle/>
-            <a:p>
-              <a:r>
-                <a:rPr lang="en-US" b="1" dirty="0">
-                  <a:solidFill>
-                    <a:schemeClr val="bg1"/>
-                  </a:solidFill>
-                  <a:latin typeface="Lucida Sans Typewriter" pitchFamily="49" charset="0"/>
-                </a:rPr>
-                <a:t>writing code for other people</a:t>
-              </a:r>
-            </a:p>
-          </p:txBody>
-        </p:sp>
-        <p:sp>
-          <p:nvSpPr>
-            <p:cNvPr id="5" name="TextBox 4"/>
-            <p:cNvSpPr txBox="1"/>
-            <p:nvPr/>
-          </p:nvSpPr>
-          <p:spPr>
-            <a:xfrm>
-              <a:off x="6858000" y="4813868"/>
-              <a:ext cx="2286000" cy="369332"/>
-            </a:xfrm>
-            <a:prstGeom prst="rect">
-              <a:avLst/>
-            </a:prstGeom>
-            <a:noFill/>
-          </p:spPr>
-          <p:txBody>
-            <a:bodyPr wrap="square" rtlCol="0">
-              <a:spAutoFit/>
-            </a:bodyPr>
-            <a:lstStyle/>
-            <a:p>
-              <a:pPr algn="r"/>
-              <a:r>
-                <a:rPr lang="en-US" b="1" dirty="0" err="1">
-                  <a:latin typeface="Lucida Sans Typewriter" pitchFamily="49" charset="0"/>
-                </a:rPr>
-                <a:t>whitebox</a:t>
-              </a:r>
-              <a:endParaRPr lang="en-US" b="1" dirty="0">
-                <a:latin typeface="Lucida Sans Typewriter" pitchFamily="49" charset="0"/>
-              </a:endParaRPr>
-            </a:p>
-          </p:txBody>
-        </p:sp>
-      </p:grpSp>
-      <p:sp>
-        <p:nvSpPr>
-          <p:cNvPr id="7" name="TextBox 6"/>
-          <p:cNvSpPr txBox="1"/>
-          <p:nvPr/>
-        </p:nvSpPr>
-        <p:spPr>
-          <a:xfrm>
-            <a:off x="152401" y="133350"/>
-            <a:ext cx="8839200" cy="3724096"/>
-          </a:xfrm>
-          <a:prstGeom prst="rect">
-            <a:avLst/>
-          </a:prstGeom>
-          <a:noFill/>
-        </p:spPr>
-        <p:txBody>
-          <a:bodyPr wrap="square" rtlCol="0">
-            <a:spAutoFit/>
-          </a:bodyPr>
-          <a:lstStyle/>
-          <a:p>
-            <a:pPr marL="344488" indent="-344488"/>
-            <a:r>
-              <a:rPr lang="en-US" sz="4000" b="1" dirty="0">
-                <a:solidFill>
-                  <a:schemeClr val="bg1"/>
-                </a:solidFill>
-                <a:latin typeface="Lucida Sans Typewriter" pitchFamily="49" charset="0"/>
-              </a:rPr>
-              <a:t>great code teaches others…</a:t>
-            </a:r>
-          </a:p>
-          <a:p>
-            <a:pPr marL="344488" indent="-344488"/>
-            <a:endParaRPr lang="en-US" sz="1200" b="1" dirty="0">
-              <a:solidFill>
-                <a:schemeClr val="bg1"/>
-              </a:solidFill>
-              <a:latin typeface="Lucida Sans Typewriter" pitchFamily="49" charset="0"/>
-            </a:endParaRPr>
-          </a:p>
-          <a:p>
-            <a:pPr marL="344488" lvl="1" indent="-344488">
-              <a:buFont typeface="Lucida Sans Typewriter" pitchFamily="49" charset="0"/>
-              <a:buChar char="–"/>
-            </a:pPr>
-            <a:r>
-              <a:rPr lang="en-US" sz="4000" b="1" dirty="0">
-                <a:solidFill>
-                  <a:schemeClr val="bg1"/>
-                </a:solidFill>
-                <a:latin typeface="Lucida Sans Typewriter" pitchFamily="49" charset="0"/>
-              </a:rPr>
-              <a:t>to understand the problem</a:t>
-            </a:r>
-          </a:p>
-          <a:p>
-            <a:pPr marL="344488" lvl="1" indent="-344488">
-              <a:buFont typeface="Lucida Sans Typewriter" pitchFamily="49" charset="0"/>
-              <a:buChar char="–"/>
-            </a:pPr>
-            <a:endParaRPr lang="en-US" sz="1200" b="1" dirty="0">
-              <a:solidFill>
-                <a:schemeClr val="bg1"/>
-              </a:solidFill>
-              <a:latin typeface="Lucida Sans Typewriter" pitchFamily="49" charset="0"/>
-            </a:endParaRPr>
-          </a:p>
-          <a:p>
-            <a:pPr marL="344488" lvl="1" indent="-344488">
-              <a:buFont typeface="Lucida Sans Typewriter" pitchFamily="49" charset="0"/>
-              <a:buChar char="–"/>
-            </a:pPr>
-            <a:r>
-              <a:rPr lang="en-US" sz="4000" b="1" dirty="0">
-                <a:solidFill>
-                  <a:schemeClr val="bg1"/>
-                </a:solidFill>
-                <a:latin typeface="Lucida Sans Typewriter" pitchFamily="49" charset="0"/>
-              </a:rPr>
-              <a:t>to understand the solution</a:t>
-            </a:r>
-          </a:p>
-          <a:p>
-            <a:pPr marL="344488" lvl="1" indent="-344488">
-              <a:buFont typeface="Lucida Sans Typewriter" pitchFamily="49" charset="0"/>
-              <a:buChar char="–"/>
-            </a:pPr>
-            <a:endParaRPr lang="en-US" sz="1200" b="1" dirty="0">
-              <a:solidFill>
-                <a:schemeClr val="bg1"/>
-              </a:solidFill>
-              <a:latin typeface="Lucida Sans Typewriter" pitchFamily="49" charset="0"/>
-            </a:endParaRPr>
-          </a:p>
-          <a:p>
-            <a:pPr marL="344488" lvl="1" indent="-344488">
-              <a:buFont typeface="Lucida Sans Typewriter" pitchFamily="49" charset="0"/>
-              <a:buChar char="–"/>
-            </a:pPr>
-            <a:r>
-              <a:rPr lang="en-US" sz="4000" b="1" dirty="0">
-                <a:solidFill>
-                  <a:schemeClr val="bg1"/>
-                </a:solidFill>
-                <a:latin typeface="Lucida Sans Typewriter" pitchFamily="49" charset="0"/>
-              </a:rPr>
-              <a:t>to understand how </a:t>
-            </a:r>
-            <a:br>
-              <a:rPr lang="en-US" sz="4000" b="1" dirty="0">
-                <a:solidFill>
-                  <a:schemeClr val="bg1"/>
-                </a:solidFill>
-                <a:latin typeface="Lucida Sans Typewriter" pitchFamily="49" charset="0"/>
-              </a:rPr>
-            </a:br>
-            <a:r>
-              <a:rPr lang="en-US" sz="4000" b="1" dirty="0">
-                <a:solidFill>
-                  <a:schemeClr val="bg1"/>
-                </a:solidFill>
-                <a:latin typeface="Lucida Sans Typewriter" pitchFamily="49" charset="0"/>
-              </a:rPr>
-              <a:t>to go beyond both</a:t>
-            </a:r>
-          </a:p>
-        </p:txBody>
-      </p:sp>
-    </p:spTree>
-  </p:cSld>
-  <p:clrMapOvr>
-    <a:masterClrMapping/>
-  </p:clrMapOvr>
-</p:sld>
-</file>
-
-<file path=ppt/slides/slide80.xml><?xml version="1.0" encoding="utf-8"?>
+<file path=ppt/slides/slide78.xml><?xml version="1.0" encoding="utf-8"?>
 <p:sld xmlns:a="http://schemas.openxmlformats.org/drawingml/2006/main" xmlns:r="http://schemas.openxmlformats.org/officeDocument/2006/relationships" xmlns:p="http://schemas.openxmlformats.org/presentationml/2006/main">
   <p:cSld>
     <p:spTree>
@@ -45101,7 +44334,7 @@
 </p:sld>
 </file>
 
-<file path=ppt/slides/slide81.xml><?xml version="1.0" encoding="utf-8"?>
+<file path=ppt/slides/slide79.xml><?xml version="1.0" encoding="utf-8"?>
 <p:sld xmlns:a="http://schemas.openxmlformats.org/drawingml/2006/main" xmlns:r="http://schemas.openxmlformats.org/officeDocument/2006/relationships" xmlns:p="http://schemas.openxmlformats.org/presentationml/2006/main">
   <p:cSld>
     <p:spTree>
@@ -45704,7 +44937,315 @@
 </p:sld>
 </file>
 
-<file path=ppt/slides/slide82.xml><?xml version="1.0" encoding="utf-8"?>
+<file path=ppt/slides/slide8.xml><?xml version="1.0" encoding="utf-8"?>
+<p:sld xmlns:a="http://schemas.openxmlformats.org/drawingml/2006/main" xmlns:r="http://schemas.openxmlformats.org/officeDocument/2006/relationships" xmlns:p="http://schemas.openxmlformats.org/presentationml/2006/main">
+  <p:cSld>
+    <p:spTree>
+      <p:nvGrpSpPr>
+        <p:cNvPr id="1" name=""/>
+        <p:cNvGrpSpPr/>
+        <p:nvPr/>
+      </p:nvGrpSpPr>
+      <p:grpSpPr>
+        <a:xfrm>
+          <a:off x="0" y="0"/>
+          <a:ext cx="0" cy="0"/>
+          <a:chOff x="0" y="0"/>
+          <a:chExt cx="0" cy="0"/>
+        </a:xfrm>
+      </p:grpSpPr>
+      <p:grpSp>
+        <p:nvGrpSpPr>
+          <p:cNvPr id="2" name="Group 6"/>
+          <p:cNvGrpSpPr/>
+          <p:nvPr/>
+        </p:nvGrpSpPr>
+        <p:grpSpPr>
+          <a:xfrm>
+            <a:off x="0" y="4800600"/>
+            <a:ext cx="9144000" cy="382600"/>
+            <a:chOff x="0" y="4800600"/>
+            <a:chExt cx="9144000" cy="382600"/>
+          </a:xfrm>
+        </p:grpSpPr>
+        <p:sp>
+          <p:nvSpPr>
+            <p:cNvPr id="6" name="Rectangle 5"/>
+            <p:cNvSpPr/>
+            <p:nvPr/>
+          </p:nvSpPr>
+          <p:spPr>
+            <a:xfrm>
+              <a:off x="0" y="4800600"/>
+              <a:ext cx="9144000" cy="342900"/>
+            </a:xfrm>
+            <a:prstGeom prst="rect">
+              <a:avLst/>
+            </a:prstGeom>
+            <a:gradFill flip="none" rotWithShape="1">
+              <a:gsLst>
+                <a:gs pos="0">
+                  <a:srgbClr val="266E9E"/>
+                </a:gs>
+                <a:gs pos="50000">
+                  <a:srgbClr val="266E9E">
+                    <a:alpha val="32000"/>
+                  </a:srgbClr>
+                </a:gs>
+                <a:gs pos="100000">
+                  <a:srgbClr val="266E9E"/>
+                </a:gs>
+              </a:gsLst>
+              <a:path path="circle">
+                <a:fillToRect t="100000" r="100000"/>
+              </a:path>
+              <a:tileRect l="-100000" b="-100000"/>
+            </a:gradFill>
+            <a:ln>
+              <a:noFill/>
+            </a:ln>
+          </p:spPr>
+          <p:style>
+            <a:lnRef idx="2">
+              <a:schemeClr val="accent1">
+                <a:shade val="50000"/>
+              </a:schemeClr>
+            </a:lnRef>
+            <a:fillRef idx="1">
+              <a:schemeClr val="accent1"/>
+            </a:fillRef>
+            <a:effectRef idx="0">
+              <a:schemeClr val="accent1"/>
+            </a:effectRef>
+            <a:fontRef idx="minor">
+              <a:schemeClr val="lt1"/>
+            </a:fontRef>
+          </p:style>
+          <p:txBody>
+            <a:bodyPr rtlCol="0" anchor="ctr"/>
+            <a:lstStyle/>
+            <a:p>
+              <a:pPr algn="ctr"/>
+              <a:endParaRPr lang="en-US" dirty="0">
+                <a:solidFill>
+                  <a:schemeClr val="accent3">
+                    <a:lumMod val="75000"/>
+                  </a:schemeClr>
+                </a:solidFill>
+                <a:latin typeface="Lucida Sans Typewriter" pitchFamily="49" charset="0"/>
+              </a:endParaRPr>
+            </a:p>
+          </p:txBody>
+        </p:sp>
+        <p:sp>
+          <p:nvSpPr>
+            <p:cNvPr id="4" name="TextBox 3"/>
+            <p:cNvSpPr txBox="1"/>
+            <p:nvPr/>
+          </p:nvSpPr>
+          <p:spPr>
+            <a:xfrm>
+              <a:off x="0" y="4805117"/>
+              <a:ext cx="6858000" cy="369332"/>
+            </a:xfrm>
+            <a:prstGeom prst="rect">
+              <a:avLst/>
+            </a:prstGeom>
+            <a:noFill/>
+          </p:spPr>
+          <p:txBody>
+            <a:bodyPr wrap="square" rtlCol="0">
+              <a:spAutoFit/>
+            </a:bodyPr>
+            <a:lstStyle/>
+            <a:p>
+              <a:r>
+                <a:rPr lang="en-US" b="1" dirty="0">
+                  <a:solidFill>
+                    <a:schemeClr val="bg1"/>
+                  </a:solidFill>
+                  <a:latin typeface="Lucida Sans Typewriter" pitchFamily="49" charset="0"/>
+                </a:rPr>
+                <a:t>writing code for other people</a:t>
+              </a:r>
+            </a:p>
+          </p:txBody>
+        </p:sp>
+        <p:sp>
+          <p:nvSpPr>
+            <p:cNvPr id="5" name="TextBox 4"/>
+            <p:cNvSpPr txBox="1"/>
+            <p:nvPr/>
+          </p:nvSpPr>
+          <p:spPr>
+            <a:xfrm>
+              <a:off x="6858000" y="4813868"/>
+              <a:ext cx="2286000" cy="369332"/>
+            </a:xfrm>
+            <a:prstGeom prst="rect">
+              <a:avLst/>
+            </a:prstGeom>
+            <a:noFill/>
+          </p:spPr>
+          <p:txBody>
+            <a:bodyPr wrap="square" rtlCol="0">
+              <a:spAutoFit/>
+            </a:bodyPr>
+            <a:lstStyle/>
+            <a:p>
+              <a:pPr algn="r"/>
+              <a:r>
+                <a:rPr lang="en-US" b="1" dirty="0" err="1">
+                  <a:latin typeface="Lucida Sans Typewriter" pitchFamily="49" charset="0"/>
+                </a:rPr>
+                <a:t>whitebox</a:t>
+              </a:r>
+              <a:endParaRPr lang="en-US" b="1" dirty="0">
+                <a:latin typeface="Lucida Sans Typewriter" pitchFamily="49" charset="0"/>
+              </a:endParaRPr>
+            </a:p>
+          </p:txBody>
+        </p:sp>
+      </p:grpSp>
+      <p:sp>
+        <p:nvSpPr>
+          <p:cNvPr id="7" name="TextBox 6"/>
+          <p:cNvSpPr txBox="1"/>
+          <p:nvPr/>
+        </p:nvSpPr>
+        <p:spPr>
+          <a:xfrm>
+            <a:off x="152401" y="133350"/>
+            <a:ext cx="8839200" cy="3724096"/>
+          </a:xfrm>
+          <a:prstGeom prst="rect">
+            <a:avLst/>
+          </a:prstGeom>
+          <a:noFill/>
+        </p:spPr>
+        <p:txBody>
+          <a:bodyPr wrap="square" rtlCol="0">
+            <a:spAutoFit/>
+          </a:bodyPr>
+          <a:lstStyle/>
+          <a:p>
+            <a:pPr marL="344488" indent="-344488"/>
+            <a:r>
+              <a:rPr lang="en-US" sz="4000" b="1" dirty="0">
+                <a:solidFill>
+                  <a:schemeClr val="bg1"/>
+                </a:solidFill>
+                <a:latin typeface="Lucida Sans Typewriter" pitchFamily="49" charset="0"/>
+              </a:rPr>
+              <a:t>great code teaches others…</a:t>
+            </a:r>
+          </a:p>
+          <a:p>
+            <a:pPr marL="344488" indent="-344488"/>
+            <a:endParaRPr lang="en-US" sz="1200" b="1" dirty="0">
+              <a:solidFill>
+                <a:schemeClr val="bg1"/>
+              </a:solidFill>
+              <a:latin typeface="Lucida Sans Typewriter" pitchFamily="49" charset="0"/>
+            </a:endParaRPr>
+          </a:p>
+          <a:p>
+            <a:pPr marL="344488" lvl="1" indent="-344488">
+              <a:buFont typeface="Lucida Sans Typewriter" pitchFamily="49" charset="0"/>
+              <a:buChar char="–"/>
+            </a:pPr>
+            <a:r>
+              <a:rPr lang="en-US" sz="4000" b="1" dirty="0">
+                <a:solidFill>
+                  <a:schemeClr val="bg1"/>
+                </a:solidFill>
+                <a:latin typeface="Lucida Sans Typewriter" pitchFamily="49" charset="0"/>
+              </a:rPr>
+              <a:t>to understand the problem</a:t>
+            </a:r>
+          </a:p>
+          <a:p>
+            <a:pPr marL="344488" lvl="1" indent="-344488">
+              <a:buFont typeface="Lucida Sans Typewriter" pitchFamily="49" charset="0"/>
+              <a:buChar char="–"/>
+            </a:pPr>
+            <a:endParaRPr lang="en-US" sz="1200" b="1" dirty="0">
+              <a:solidFill>
+                <a:schemeClr val="bg1"/>
+              </a:solidFill>
+              <a:latin typeface="Lucida Sans Typewriter" pitchFamily="49" charset="0"/>
+            </a:endParaRPr>
+          </a:p>
+          <a:p>
+            <a:pPr marL="344488" lvl="1" indent="-344488">
+              <a:buFont typeface="Lucida Sans Typewriter" pitchFamily="49" charset="0"/>
+              <a:buChar char="–"/>
+            </a:pPr>
+            <a:r>
+              <a:rPr lang="en-US" sz="4000" b="1" dirty="0">
+                <a:solidFill>
+                  <a:schemeClr val="bg1"/>
+                </a:solidFill>
+                <a:latin typeface="Lucida Sans Typewriter" pitchFamily="49" charset="0"/>
+              </a:rPr>
+              <a:t>to understand the solution</a:t>
+            </a:r>
+          </a:p>
+          <a:p>
+            <a:pPr marL="344488" lvl="1" indent="-344488">
+              <a:buFont typeface="Lucida Sans Typewriter" pitchFamily="49" charset="0"/>
+              <a:buChar char="–"/>
+            </a:pPr>
+            <a:endParaRPr lang="en-US" sz="1200" b="1" dirty="0">
+              <a:solidFill>
+                <a:schemeClr val="bg1"/>
+              </a:solidFill>
+              <a:latin typeface="Lucida Sans Typewriter" pitchFamily="49" charset="0"/>
+            </a:endParaRPr>
+          </a:p>
+          <a:p>
+            <a:pPr marL="344488" lvl="1" indent="-344488">
+              <a:buFont typeface="Lucida Sans Typewriter" pitchFamily="49" charset="0"/>
+              <a:buChar char="–"/>
+            </a:pPr>
+            <a:r>
+              <a:rPr lang="en-US" sz="4000" b="1" dirty="0">
+                <a:solidFill>
+                  <a:schemeClr val="bg1"/>
+                </a:solidFill>
+                <a:latin typeface="Lucida Sans Typewriter" pitchFamily="49" charset="0"/>
+              </a:rPr>
+              <a:t>to understand how </a:t>
+            </a:r>
+            <a:br>
+              <a:rPr lang="en-US" sz="4000" b="1" dirty="0">
+                <a:solidFill>
+                  <a:schemeClr val="bg1"/>
+                </a:solidFill>
+                <a:latin typeface="Lucida Sans Typewriter" pitchFamily="49" charset="0"/>
+              </a:rPr>
+            </a:br>
+            <a:r>
+              <a:rPr lang="en-US" sz="4000" b="1" dirty="0">
+                <a:solidFill>
+                  <a:schemeClr val="bg1"/>
+                </a:solidFill>
+                <a:latin typeface="Lucida Sans Typewriter" pitchFamily="49" charset="0"/>
+              </a:rPr>
+              <a:t>to go beyond both</a:t>
+            </a:r>
+          </a:p>
+        </p:txBody>
+      </p:sp>
+    </p:spTree>
+  </p:cSld>
+  <p:clrMapOvr>
+    <a:masterClrMapping/>
+  </p:clrMapOvr>
+</p:sld>
+</file>
+
+<file path=ppt/slides/slide80.xml><?xml version="1.0" encoding="utf-8"?>
 <p:sld xmlns:a="http://schemas.openxmlformats.org/drawingml/2006/main" xmlns:r="http://schemas.openxmlformats.org/officeDocument/2006/relationships" xmlns:p="http://schemas.openxmlformats.org/presentationml/2006/main">
   <p:cSld>
     <p:spTree>
@@ -45986,7 +45527,7 @@
 </p:sld>
 </file>
 
-<file path=ppt/slides/slide83.xml><?xml version="1.0" encoding="utf-8"?>
+<file path=ppt/slides/slide81.xml><?xml version="1.0" encoding="utf-8"?>
 <p:sld xmlns:a="http://schemas.openxmlformats.org/drawingml/2006/main" xmlns:r="http://schemas.openxmlformats.org/officeDocument/2006/relationships" xmlns:p="http://schemas.openxmlformats.org/presentationml/2006/main">
   <p:cSld>
     <p:spTree>
@@ -46355,7 +45896,7 @@
 </p:sld>
 </file>
 
-<file path=ppt/slides/slide84.xml><?xml version="1.0" encoding="utf-8"?>
+<file path=ppt/slides/slide82.xml><?xml version="1.0" encoding="utf-8"?>
 <p:sld xmlns:a="http://schemas.openxmlformats.org/drawingml/2006/main" xmlns:r="http://schemas.openxmlformats.org/officeDocument/2006/relationships" xmlns:p="http://schemas.openxmlformats.org/presentationml/2006/main">
   <p:cSld>
     <p:spTree>
@@ -46578,7 +46119,7 @@
 </p:sld>
 </file>
 
-<file path=ppt/slides/slide85.xml><?xml version="1.0" encoding="utf-8"?>
+<file path=ppt/slides/slide83.xml><?xml version="1.0" encoding="utf-8"?>
 <p:sld xmlns:a="http://schemas.openxmlformats.org/drawingml/2006/main" xmlns:r="http://schemas.openxmlformats.org/officeDocument/2006/relationships" xmlns:p="http://schemas.openxmlformats.org/presentationml/2006/main">
   <p:cSld>
     <p:bg>
